--- a/powerpoint/presentation-template.pptx
+++ b/powerpoint/presentation-template.pptx
@@ -2745,7 +2745,7 @@
           <a:p>
             <a:r>
               <a:rPr lang="en-US" dirty="0"/>
-              <a:t>Optimization 3</a:t>
+              <a:t>Optimization 3: Vectorization</a:t>
             </a:r>
           </a:p>
         </p:txBody>
@@ -2762,8 +2762,8 @@
         </p:nvSpPr>
         <p:spPr>
           <a:xfrm>
-            <a:off x="375773" y="1362074"/>
-            <a:ext cx="7896225" cy="4886325"/>
+            <a:off x="375773" y="1362075"/>
+            <a:ext cx="7896225" cy="390526"/>
           </a:xfrm>
         </p:spPr>
         <p:txBody>
@@ -2772,33 +2772,1833 @@
           <a:p>
             <a:r>
               <a:rPr lang="en-US" sz="1600" dirty="0"/>
-              <a:t>What have we done?</a:t>
-            </a:r>
-          </a:p>
-          <a:p>
-            <a:r>
-              <a:rPr lang="en-US" sz="1600" dirty="0"/>
-              <a:t> Put performance and runtime plots here...</a:t>
-            </a:r>
-          </a:p>
-          <a:p>
-            <a:r>
-              <a:rPr lang="en-US" sz="1600" dirty="0"/>
-              <a:t>Explain flops count…</a:t>
-            </a:r>
-          </a:p>
-          <a:p>
-            <a:r>
-              <a:rPr lang="en-US" sz="1600" dirty="0"/>
-              <a:t>Maybe show some </a:t>
-            </a:r>
-            <a:r>
-              <a:rPr lang="en-US" sz="1600" dirty="0" err="1"/>
-              <a:t>VTune</a:t>
-            </a:r>
-            <a:r>
-              <a:rPr lang="en-US" sz="1600" dirty="0"/>
-              <a:t> measurements</a:t>
+              <a:t> </a:t>
+            </a:r>
+          </a:p>
+        </p:txBody>
+      </p:sp>
+      <p:sp>
+        <p:nvSpPr>
+          <p:cNvPr id="9" name="Rechteck 8">
+            <a:extLst>
+              <a:ext uri="{FF2B5EF4-FFF2-40B4-BE49-F238E27FC236}">
+                <a16:creationId xmlns:a16="http://schemas.microsoft.com/office/drawing/2014/main" id="{2A46025F-8BDE-09B1-E430-79203F0E9141}"/>
+              </a:ext>
+            </a:extLst>
+          </p:cNvPr>
+          <p:cNvSpPr/>
+          <p:nvPr/>
+        </p:nvSpPr>
+        <p:spPr>
+          <a:xfrm>
+            <a:off x="3962400" y="2025692"/>
+            <a:ext cx="1404000" cy="1403308"/>
+          </a:xfrm>
+          <a:prstGeom prst="rect">
+            <a:avLst/>
+          </a:prstGeom>
+          <a:noFill/>
+          <a:ln w="25400">
+            <a:solidFill>
+              <a:schemeClr val="bg2"/>
+            </a:solidFill>
+          </a:ln>
+        </p:spPr>
+        <p:txBody>
+          <a:bodyPr wrap="square" rtlCol="0" anchor="ctr">
+            <a:spAutoFit/>
+          </a:bodyPr>
+          <a:lstStyle/>
+          <a:p>
+            <a:pPr algn="ctr"/>
+            <a:endParaRPr lang="en-US" sz="1800" dirty="0">
+              <a:latin typeface="Consolas" pitchFamily="49" charset="0"/>
+              <a:cs typeface="Consolas" pitchFamily="49" charset="0"/>
+            </a:endParaRPr>
+          </a:p>
+        </p:txBody>
+      </p:sp>
+      <p:sp>
+        <p:nvSpPr>
+          <p:cNvPr id="12" name="Textfeld 11">
+            <a:extLst>
+              <a:ext uri="{FF2B5EF4-FFF2-40B4-BE49-F238E27FC236}">
+                <a16:creationId xmlns:a16="http://schemas.microsoft.com/office/drawing/2014/main" id="{6775B68F-0131-3F3B-6E95-DEB036BCBAFE}"/>
+              </a:ext>
+            </a:extLst>
+          </p:cNvPr>
+          <p:cNvSpPr txBox="1"/>
+          <p:nvPr/>
+        </p:nvSpPr>
+        <p:spPr bwMode="auto">
+          <a:xfrm>
+            <a:off x="3858819" y="1222412"/>
+            <a:ext cx="1507581" cy="338554"/>
+          </a:xfrm>
+          <a:prstGeom prst="rect">
+            <a:avLst/>
+          </a:prstGeom>
+          <a:noFill/>
+          <a:ln w="6350">
+            <a:noFill/>
+          </a:ln>
+          <a:effectLst/>
+        </p:spPr>
+        <p:txBody>
+          <a:bodyPr wrap="square" rtlCol="0">
+            <a:spAutoFit/>
+          </a:bodyPr>
+          <a:lstStyle/>
+          <a:p>
+            <a:r>
+              <a:rPr lang="en-US" sz="1600" dirty="0">
+                <a:solidFill>
+                  <a:schemeClr val="bg2"/>
+                </a:solidFill>
+                <a:latin typeface="+mn-lt"/>
+              </a:rPr>
+              <a:t>errors matrix:</a:t>
+            </a:r>
+          </a:p>
+        </p:txBody>
+      </p:sp>
+      <p:cxnSp>
+        <p:nvCxnSpPr>
+          <p:cNvPr id="46" name="Gerade Verbindung 45">
+            <a:extLst>
+              <a:ext uri="{FF2B5EF4-FFF2-40B4-BE49-F238E27FC236}">
+                <a16:creationId xmlns:a16="http://schemas.microsoft.com/office/drawing/2014/main" id="{C0A6981A-B324-9268-0D19-88776609EDE0}"/>
+              </a:ext>
+            </a:extLst>
+          </p:cNvPr>
+          <p:cNvCxnSpPr>
+            <a:cxnSpLocks/>
+          </p:cNvCxnSpPr>
+          <p:nvPr/>
+        </p:nvCxnSpPr>
+        <p:spPr bwMode="auto">
+          <a:xfrm>
+            <a:off x="4004799" y="2133601"/>
+            <a:ext cx="612000" cy="0"/>
+          </a:xfrm>
+          <a:prstGeom prst="line">
+            <a:avLst/>
+          </a:prstGeom>
+          <a:noFill/>
+          <a:ln w="31750">
+            <a:solidFill>
+              <a:srgbClr val="A81D5B"/>
+            </a:solidFill>
+            <a:prstDash val="sysDot"/>
+            <a:miter lim="800000"/>
+            <a:headEnd type="none" w="med" len="med"/>
+            <a:tailEnd type="none" w="med" len="med"/>
+          </a:ln>
+          <a:effectLst/>
+        </p:spPr>
+      </p:cxnSp>
+      <p:sp>
+        <p:nvSpPr>
+          <p:cNvPr id="47" name="Geschweifte Klammer rechts 46">
+            <a:extLst>
+              <a:ext uri="{FF2B5EF4-FFF2-40B4-BE49-F238E27FC236}">
+                <a16:creationId xmlns:a16="http://schemas.microsoft.com/office/drawing/2014/main" id="{D692B4A3-9406-2ED2-B184-D6DEB596A7B4}"/>
+              </a:ext>
+            </a:extLst>
+          </p:cNvPr>
+          <p:cNvSpPr/>
+          <p:nvPr/>
+        </p:nvSpPr>
+        <p:spPr bwMode="auto">
+          <a:xfrm rot="5400000" flipH="1">
+            <a:off x="4190100" y="1639091"/>
+            <a:ext cx="241398" cy="611999"/>
+          </a:xfrm>
+          <a:prstGeom prst="rightBrace">
+            <a:avLst>
+              <a:gd name="adj1" fmla="val 10548"/>
+              <a:gd name="adj2" fmla="val 47997"/>
+            </a:avLst>
+          </a:prstGeom>
+          <a:noFill/>
+          <a:ln w="12700">
+            <a:solidFill>
+              <a:srgbClr val="000000"/>
+            </a:solidFill>
+            <a:miter lim="800000"/>
+            <a:headEnd type="none" w="med" len="med"/>
+            <a:tailEnd type="none" w="med" len="med"/>
+          </a:ln>
+          <a:effectLst/>
+        </p:spPr>
+        <p:txBody>
+          <a:bodyPr tIns="72000" rtlCol="0" anchor="ctr"/>
+          <a:lstStyle/>
+          <a:p>
+            <a:pPr algn="ctr"/>
+            <a:endParaRPr lang="en-US"/>
+          </a:p>
+        </p:txBody>
+      </p:sp>
+      <p:sp>
+        <p:nvSpPr>
+          <p:cNvPr id="48" name="Textfeld 47">
+            <a:extLst>
+              <a:ext uri="{FF2B5EF4-FFF2-40B4-BE49-F238E27FC236}">
+                <a16:creationId xmlns:a16="http://schemas.microsoft.com/office/drawing/2014/main" id="{C22D446F-D728-0556-3656-279FD7B1CF96}"/>
+              </a:ext>
+            </a:extLst>
+          </p:cNvPr>
+          <p:cNvSpPr txBox="1"/>
+          <p:nvPr/>
+        </p:nvSpPr>
+        <p:spPr bwMode="auto">
+          <a:xfrm>
+            <a:off x="4004799" y="1560966"/>
+            <a:ext cx="914400" cy="307777"/>
+          </a:xfrm>
+          <a:prstGeom prst="rect">
+            <a:avLst/>
+          </a:prstGeom>
+          <a:noFill/>
+          <a:ln w="6350">
+            <a:noFill/>
+          </a:ln>
+          <a:effectLst/>
+        </p:spPr>
+        <p:txBody>
+          <a:bodyPr wrap="square" rtlCol="0">
+            <a:spAutoFit/>
+          </a:bodyPr>
+          <a:lstStyle/>
+          <a:p>
+            <a:r>
+              <a:rPr lang="en-US" sz="1400" dirty="0">
+                <a:latin typeface="+mn-lt"/>
+              </a:rPr>
+              <a:t>16 values</a:t>
+            </a:r>
+          </a:p>
+        </p:txBody>
+      </p:sp>
+      <p:sp>
+        <p:nvSpPr>
+          <p:cNvPr id="49" name="Rechteck 48">
+            <a:extLst>
+              <a:ext uri="{FF2B5EF4-FFF2-40B4-BE49-F238E27FC236}">
+                <a16:creationId xmlns:a16="http://schemas.microsoft.com/office/drawing/2014/main" id="{8A5CFE27-5163-1869-318C-9F60263A2686}"/>
+              </a:ext>
+            </a:extLst>
+          </p:cNvPr>
+          <p:cNvSpPr/>
+          <p:nvPr/>
+        </p:nvSpPr>
+        <p:spPr>
+          <a:xfrm>
+            <a:off x="979478" y="1600200"/>
+            <a:ext cx="2026124" cy="2026800"/>
+          </a:xfrm>
+          <a:prstGeom prst="rect">
+            <a:avLst/>
+          </a:prstGeom>
+          <a:noFill/>
+          <a:ln w="25400">
+            <a:solidFill>
+              <a:schemeClr val="bg2"/>
+            </a:solidFill>
+          </a:ln>
+        </p:spPr>
+        <p:txBody>
+          <a:bodyPr wrap="square" rtlCol="0" anchor="ctr">
+            <a:spAutoFit/>
+          </a:bodyPr>
+          <a:lstStyle/>
+          <a:p>
+            <a:pPr algn="ctr"/>
+            <a:endParaRPr lang="en-US" sz="1800" dirty="0">
+              <a:latin typeface="Consolas" pitchFamily="49" charset="0"/>
+              <a:cs typeface="Consolas" pitchFamily="49" charset="0"/>
+            </a:endParaRPr>
+          </a:p>
+        </p:txBody>
+      </p:sp>
+      <p:sp>
+        <p:nvSpPr>
+          <p:cNvPr id="50" name="Rechteck 49">
+            <a:extLst>
+              <a:ext uri="{FF2B5EF4-FFF2-40B4-BE49-F238E27FC236}">
+                <a16:creationId xmlns:a16="http://schemas.microsoft.com/office/drawing/2014/main" id="{38387586-E3EF-306F-D6FA-9DAC81C25111}"/>
+              </a:ext>
+            </a:extLst>
+          </p:cNvPr>
+          <p:cNvSpPr/>
+          <p:nvPr/>
+        </p:nvSpPr>
+        <p:spPr>
+          <a:xfrm>
+            <a:off x="978815" y="1600200"/>
+            <a:ext cx="540000" cy="540000"/>
+          </a:xfrm>
+          <a:prstGeom prst="rect">
+            <a:avLst/>
+          </a:prstGeom>
+          <a:noFill/>
+          <a:ln w="25400">
+            <a:solidFill>
+              <a:schemeClr val="bg2"/>
+            </a:solidFill>
+          </a:ln>
+        </p:spPr>
+        <p:txBody>
+          <a:bodyPr wrap="square" rtlCol="0" anchor="ctr">
+            <a:spAutoFit/>
+          </a:bodyPr>
+          <a:lstStyle/>
+          <a:p>
+            <a:pPr algn="ctr"/>
+            <a:endParaRPr lang="en-US" sz="1800" dirty="0">
+              <a:latin typeface="Consolas" pitchFamily="49" charset="0"/>
+              <a:cs typeface="Consolas" pitchFamily="49" charset="0"/>
+            </a:endParaRPr>
+          </a:p>
+        </p:txBody>
+      </p:sp>
+      <p:sp>
+        <p:nvSpPr>
+          <p:cNvPr id="51" name="Rechteck 50">
+            <a:extLst>
+              <a:ext uri="{FF2B5EF4-FFF2-40B4-BE49-F238E27FC236}">
+                <a16:creationId xmlns:a16="http://schemas.microsoft.com/office/drawing/2014/main" id="{1D2BE8EC-82C2-ACBB-1F13-DBFEA8B4B7E5}"/>
+              </a:ext>
+            </a:extLst>
+          </p:cNvPr>
+          <p:cNvSpPr/>
+          <p:nvPr/>
+        </p:nvSpPr>
+        <p:spPr>
+          <a:xfrm>
+            <a:off x="1337914" y="1600200"/>
+            <a:ext cx="540000" cy="540000"/>
+          </a:xfrm>
+          <a:prstGeom prst="rect">
+            <a:avLst/>
+          </a:prstGeom>
+          <a:noFill/>
+          <a:ln w="25400">
+            <a:solidFill>
+              <a:srgbClr val="A81D5B"/>
+            </a:solidFill>
+          </a:ln>
+        </p:spPr>
+        <p:txBody>
+          <a:bodyPr wrap="square" rtlCol="0" anchor="ctr">
+            <a:spAutoFit/>
+          </a:bodyPr>
+          <a:lstStyle/>
+          <a:p>
+            <a:pPr algn="ctr"/>
+            <a:endParaRPr lang="en-US" sz="1800" dirty="0">
+              <a:latin typeface="Consolas" pitchFamily="49" charset="0"/>
+              <a:cs typeface="Consolas" pitchFamily="49" charset="0"/>
+            </a:endParaRPr>
+          </a:p>
+        </p:txBody>
+      </p:sp>
+      <p:sp>
+        <p:nvSpPr>
+          <p:cNvPr id="52" name="Textfeld 51">
+            <a:extLst>
+              <a:ext uri="{FF2B5EF4-FFF2-40B4-BE49-F238E27FC236}">
+                <a16:creationId xmlns:a16="http://schemas.microsoft.com/office/drawing/2014/main" id="{7DAD8E4A-8C8A-7494-EF56-ADAA60463E6E}"/>
+              </a:ext>
+            </a:extLst>
+          </p:cNvPr>
+          <p:cNvSpPr txBox="1"/>
+          <p:nvPr/>
+        </p:nvSpPr>
+        <p:spPr bwMode="auto">
+          <a:xfrm>
+            <a:off x="849735" y="1192798"/>
+            <a:ext cx="1507581" cy="338554"/>
+          </a:xfrm>
+          <a:prstGeom prst="rect">
+            <a:avLst/>
+          </a:prstGeom>
+          <a:noFill/>
+          <a:ln w="6350">
+            <a:noFill/>
+          </a:ln>
+          <a:effectLst/>
+        </p:spPr>
+        <p:txBody>
+          <a:bodyPr wrap="square" rtlCol="0">
+            <a:spAutoFit/>
+          </a:bodyPr>
+          <a:lstStyle/>
+          <a:p>
+            <a:r>
+              <a:rPr lang="en-US" sz="1600" dirty="0">
+                <a:solidFill>
+                  <a:schemeClr val="bg2"/>
+                </a:solidFill>
+                <a:latin typeface="+mn-lt"/>
+              </a:rPr>
+              <a:t>output image:</a:t>
+            </a:r>
+          </a:p>
+        </p:txBody>
+      </p:sp>
+      <p:sp>
+        <p:nvSpPr>
+          <p:cNvPr id="53" name="Rechteck 52">
+            <a:extLst>
+              <a:ext uri="{FF2B5EF4-FFF2-40B4-BE49-F238E27FC236}">
+                <a16:creationId xmlns:a16="http://schemas.microsoft.com/office/drawing/2014/main" id="{BD14C554-4DF9-70A4-8448-48A8D44FE88C}"/>
+              </a:ext>
+            </a:extLst>
+          </p:cNvPr>
+          <p:cNvSpPr/>
+          <p:nvPr/>
+        </p:nvSpPr>
+        <p:spPr>
+          <a:xfrm>
+            <a:off x="6111233" y="2025692"/>
+            <a:ext cx="1828800" cy="1828800"/>
+          </a:xfrm>
+          <a:prstGeom prst="rect">
+            <a:avLst/>
+          </a:prstGeom>
+          <a:noFill/>
+          <a:ln w="25400">
+            <a:solidFill>
+              <a:schemeClr val="bg2"/>
+            </a:solidFill>
+          </a:ln>
+        </p:spPr>
+        <p:txBody>
+          <a:bodyPr wrap="square" rtlCol="0" anchor="ctr">
+            <a:spAutoFit/>
+          </a:bodyPr>
+          <a:lstStyle/>
+          <a:p>
+            <a:pPr algn="ctr"/>
+            <a:endParaRPr lang="en-US" sz="1800" dirty="0">
+              <a:latin typeface="Consolas" pitchFamily="49" charset="0"/>
+              <a:cs typeface="Consolas" pitchFamily="49" charset="0"/>
+            </a:endParaRPr>
+          </a:p>
+        </p:txBody>
+      </p:sp>
+      <p:sp>
+        <p:nvSpPr>
+          <p:cNvPr id="63" name="Rechteck 62">
+            <a:extLst>
+              <a:ext uri="{FF2B5EF4-FFF2-40B4-BE49-F238E27FC236}">
+                <a16:creationId xmlns:a16="http://schemas.microsoft.com/office/drawing/2014/main" id="{6EC18C1C-DB4F-64F9-E2E1-75C622DE5FBE}"/>
+              </a:ext>
+            </a:extLst>
+          </p:cNvPr>
+          <p:cNvSpPr/>
+          <p:nvPr/>
+        </p:nvSpPr>
+        <p:spPr>
+          <a:xfrm>
+            <a:off x="6111233" y="2025692"/>
+            <a:ext cx="211965" cy="540000"/>
+          </a:xfrm>
+          <a:prstGeom prst="rect">
+            <a:avLst/>
+          </a:prstGeom>
+          <a:noFill/>
+          <a:ln w="25400">
+            <a:solidFill>
+              <a:schemeClr val="tx1"/>
+            </a:solidFill>
+          </a:ln>
+        </p:spPr>
+        <p:txBody>
+          <a:bodyPr wrap="square" rtlCol="0" anchor="ctr">
+            <a:spAutoFit/>
+          </a:bodyPr>
+          <a:lstStyle/>
+          <a:p>
+            <a:pPr algn="ctr"/>
+            <a:endParaRPr lang="en-US" sz="1800" dirty="0">
+              <a:latin typeface="Consolas" pitchFamily="49" charset="0"/>
+              <a:cs typeface="Consolas" pitchFamily="49" charset="0"/>
+            </a:endParaRPr>
+          </a:p>
+        </p:txBody>
+      </p:sp>
+      <p:sp>
+        <p:nvSpPr>
+          <p:cNvPr id="64" name="Rechteck 63">
+            <a:extLst>
+              <a:ext uri="{FF2B5EF4-FFF2-40B4-BE49-F238E27FC236}">
+                <a16:creationId xmlns:a16="http://schemas.microsoft.com/office/drawing/2014/main" id="{84275364-49DD-3807-F1E2-36B7CA60B109}"/>
+              </a:ext>
+            </a:extLst>
+          </p:cNvPr>
+          <p:cNvSpPr/>
+          <p:nvPr/>
+        </p:nvSpPr>
+        <p:spPr>
+          <a:xfrm>
+            <a:off x="6153632" y="2025692"/>
+            <a:ext cx="211965" cy="540000"/>
+          </a:xfrm>
+          <a:prstGeom prst="rect">
+            <a:avLst/>
+          </a:prstGeom>
+          <a:noFill/>
+          <a:ln w="25400">
+            <a:solidFill>
+              <a:schemeClr val="tx1"/>
+            </a:solidFill>
+          </a:ln>
+        </p:spPr>
+        <p:txBody>
+          <a:bodyPr wrap="square" rtlCol="0" anchor="ctr">
+            <a:spAutoFit/>
+          </a:bodyPr>
+          <a:lstStyle/>
+          <a:p>
+            <a:pPr algn="ctr"/>
+            <a:endParaRPr lang="en-US" sz="1800" dirty="0">
+              <a:latin typeface="Consolas" pitchFamily="49" charset="0"/>
+              <a:cs typeface="Consolas" pitchFamily="49" charset="0"/>
+            </a:endParaRPr>
+          </a:p>
+        </p:txBody>
+      </p:sp>
+      <p:sp>
+        <p:nvSpPr>
+          <p:cNvPr id="65" name="Rechteck 64">
+            <a:extLst>
+              <a:ext uri="{FF2B5EF4-FFF2-40B4-BE49-F238E27FC236}">
+                <a16:creationId xmlns:a16="http://schemas.microsoft.com/office/drawing/2014/main" id="{3187799D-16B3-226C-E594-8E41611F21E2}"/>
+              </a:ext>
+            </a:extLst>
+          </p:cNvPr>
+          <p:cNvSpPr/>
+          <p:nvPr/>
+        </p:nvSpPr>
+        <p:spPr>
+          <a:xfrm>
+            <a:off x="6196031" y="2027517"/>
+            <a:ext cx="211965" cy="540000"/>
+          </a:xfrm>
+          <a:prstGeom prst="rect">
+            <a:avLst/>
+          </a:prstGeom>
+          <a:noFill/>
+          <a:ln w="25400">
+            <a:solidFill>
+              <a:schemeClr val="tx1"/>
+            </a:solidFill>
+          </a:ln>
+        </p:spPr>
+        <p:txBody>
+          <a:bodyPr wrap="square" rtlCol="0" anchor="ctr">
+            <a:spAutoFit/>
+          </a:bodyPr>
+          <a:lstStyle/>
+          <a:p>
+            <a:pPr algn="ctr"/>
+            <a:endParaRPr lang="en-US" sz="1800" dirty="0">
+              <a:latin typeface="Consolas" pitchFamily="49" charset="0"/>
+              <a:cs typeface="Consolas" pitchFamily="49" charset="0"/>
+            </a:endParaRPr>
+          </a:p>
+        </p:txBody>
+      </p:sp>
+      <p:sp>
+        <p:nvSpPr>
+          <p:cNvPr id="66" name="Textfeld 65">
+            <a:extLst>
+              <a:ext uri="{FF2B5EF4-FFF2-40B4-BE49-F238E27FC236}">
+                <a16:creationId xmlns:a16="http://schemas.microsoft.com/office/drawing/2014/main" id="{01C9D20F-6CB0-8E90-A298-05416CE92367}"/>
+              </a:ext>
+            </a:extLst>
+          </p:cNvPr>
+          <p:cNvSpPr txBox="1"/>
+          <p:nvPr/>
+        </p:nvSpPr>
+        <p:spPr bwMode="auto">
+          <a:xfrm>
+            <a:off x="6342943" y="2104032"/>
+            <a:ext cx="312906" cy="307777"/>
+          </a:xfrm>
+          <a:prstGeom prst="rect">
+            <a:avLst/>
+          </a:prstGeom>
+          <a:noFill/>
+          <a:ln w="6350">
+            <a:noFill/>
+          </a:ln>
+          <a:effectLst/>
+        </p:spPr>
+        <p:txBody>
+          <a:bodyPr wrap="none" rtlCol="0">
+            <a:spAutoFit/>
+          </a:bodyPr>
+          <a:lstStyle/>
+          <a:p>
+            <a:r>
+              <a:rPr lang="en-US" sz="1400" dirty="0">
+                <a:latin typeface="+mn-lt"/>
+              </a:rPr>
+              <a:t>…</a:t>
+            </a:r>
+          </a:p>
+        </p:txBody>
+      </p:sp>
+      <p:sp>
+        <p:nvSpPr>
+          <p:cNvPr id="67" name="Rechteck 66">
+            <a:extLst>
+              <a:ext uri="{FF2B5EF4-FFF2-40B4-BE49-F238E27FC236}">
+                <a16:creationId xmlns:a16="http://schemas.microsoft.com/office/drawing/2014/main" id="{77B9D36B-D844-D86F-3016-C819ADACF38B}"/>
+              </a:ext>
+            </a:extLst>
+          </p:cNvPr>
+          <p:cNvSpPr/>
+          <p:nvPr/>
+        </p:nvSpPr>
+        <p:spPr>
+          <a:xfrm>
+            <a:off x="6569611" y="2025692"/>
+            <a:ext cx="211965" cy="540000"/>
+          </a:xfrm>
+          <a:prstGeom prst="rect">
+            <a:avLst/>
+          </a:prstGeom>
+          <a:noFill/>
+          <a:ln w="25400">
+            <a:solidFill>
+              <a:schemeClr val="tx1"/>
+            </a:solidFill>
+          </a:ln>
+        </p:spPr>
+        <p:txBody>
+          <a:bodyPr wrap="square" rtlCol="0" anchor="ctr">
+            <a:spAutoFit/>
+          </a:bodyPr>
+          <a:lstStyle/>
+          <a:p>
+            <a:pPr algn="ctr"/>
+            <a:endParaRPr lang="en-US" sz="1800" dirty="0">
+              <a:latin typeface="Consolas" pitchFamily="49" charset="0"/>
+              <a:cs typeface="Consolas" pitchFamily="49" charset="0"/>
+            </a:endParaRPr>
+          </a:p>
+        </p:txBody>
+      </p:sp>
+      <p:sp>
+        <p:nvSpPr>
+          <p:cNvPr id="68" name="Rechteck 67">
+            <a:extLst>
+              <a:ext uri="{FF2B5EF4-FFF2-40B4-BE49-F238E27FC236}">
+                <a16:creationId xmlns:a16="http://schemas.microsoft.com/office/drawing/2014/main" id="{FDBAA853-8515-C0B5-0684-399FFDC125AE}"/>
+              </a:ext>
+            </a:extLst>
+          </p:cNvPr>
+          <p:cNvSpPr/>
+          <p:nvPr/>
+        </p:nvSpPr>
+        <p:spPr>
+          <a:xfrm>
+            <a:off x="6615139" y="2025692"/>
+            <a:ext cx="211965" cy="540000"/>
+          </a:xfrm>
+          <a:prstGeom prst="rect">
+            <a:avLst/>
+          </a:prstGeom>
+          <a:noFill/>
+          <a:ln w="25400">
+            <a:solidFill>
+              <a:schemeClr val="tx1"/>
+            </a:solidFill>
+          </a:ln>
+        </p:spPr>
+        <p:txBody>
+          <a:bodyPr wrap="square" rtlCol="0" anchor="ctr">
+            <a:spAutoFit/>
+          </a:bodyPr>
+          <a:lstStyle/>
+          <a:p>
+            <a:pPr algn="ctr"/>
+            <a:endParaRPr lang="en-US" sz="1800" dirty="0">
+              <a:latin typeface="Consolas" pitchFamily="49" charset="0"/>
+              <a:cs typeface="Consolas" pitchFamily="49" charset="0"/>
+            </a:endParaRPr>
+          </a:p>
+        </p:txBody>
+      </p:sp>
+      <p:sp>
+        <p:nvSpPr>
+          <p:cNvPr id="69" name="Geschweifte Klammer rechts 68">
+            <a:extLst>
+              <a:ext uri="{FF2B5EF4-FFF2-40B4-BE49-F238E27FC236}">
+                <a16:creationId xmlns:a16="http://schemas.microsoft.com/office/drawing/2014/main" id="{1529ACA9-D3B9-DDA7-5E5F-22D47513B0BA}"/>
+              </a:ext>
+            </a:extLst>
+          </p:cNvPr>
+          <p:cNvSpPr/>
+          <p:nvPr/>
+        </p:nvSpPr>
+        <p:spPr bwMode="auto">
+          <a:xfrm rot="5400000" flipH="1">
+            <a:off x="6347414" y="1500518"/>
+            <a:ext cx="241398" cy="717981"/>
+          </a:xfrm>
+          <a:prstGeom prst="rightBrace">
+            <a:avLst>
+              <a:gd name="adj1" fmla="val 10548"/>
+              <a:gd name="adj2" fmla="val 47997"/>
+            </a:avLst>
+          </a:prstGeom>
+          <a:noFill/>
+          <a:ln w="12700">
+            <a:solidFill>
+              <a:srgbClr val="000000"/>
+            </a:solidFill>
+            <a:miter lim="800000"/>
+            <a:headEnd type="none" w="med" len="med"/>
+            <a:tailEnd type="none" w="med" len="med"/>
+          </a:ln>
+          <a:effectLst/>
+        </p:spPr>
+        <p:txBody>
+          <a:bodyPr tIns="72000" rtlCol="0" anchor="ctr"/>
+          <a:lstStyle/>
+          <a:p>
+            <a:pPr algn="ctr"/>
+            <a:endParaRPr lang="en-US"/>
+          </a:p>
+        </p:txBody>
+      </p:sp>
+      <p:cxnSp>
+        <p:nvCxnSpPr>
+          <p:cNvPr id="76" name="Gerade Verbindung 75">
+            <a:extLst>
+              <a:ext uri="{FF2B5EF4-FFF2-40B4-BE49-F238E27FC236}">
+                <a16:creationId xmlns:a16="http://schemas.microsoft.com/office/drawing/2014/main" id="{070D2386-05C4-3485-ED85-2AF4A347248F}"/>
+              </a:ext>
+            </a:extLst>
+          </p:cNvPr>
+          <p:cNvCxnSpPr>
+            <a:cxnSpLocks/>
+            <a:stCxn id="48" idx="3"/>
+          </p:cNvCxnSpPr>
+          <p:nvPr/>
+        </p:nvCxnSpPr>
+        <p:spPr bwMode="auto">
+          <a:xfrm flipV="1">
+            <a:off x="4919199" y="1531352"/>
+            <a:ext cx="795801" cy="183503"/>
+          </a:xfrm>
+          <a:prstGeom prst="line">
+            <a:avLst/>
+          </a:prstGeom>
+          <a:noFill/>
+          <a:ln w="19050">
+            <a:solidFill>
+              <a:srgbClr val="A81D5B"/>
+            </a:solidFill>
+            <a:miter lim="800000"/>
+            <a:headEnd type="none" w="med" len="med"/>
+            <a:tailEnd type="none" w="med" len="med"/>
+          </a:ln>
+          <a:effectLst/>
+        </p:spPr>
+      </p:cxnSp>
+      <p:cxnSp>
+        <p:nvCxnSpPr>
+          <p:cNvPr id="78" name="Gerade Verbindung 77">
+            <a:extLst>
+              <a:ext uri="{FF2B5EF4-FFF2-40B4-BE49-F238E27FC236}">
+                <a16:creationId xmlns:a16="http://schemas.microsoft.com/office/drawing/2014/main" id="{1694FEC4-8905-10EF-584C-86E298B3D965}"/>
+              </a:ext>
+            </a:extLst>
+          </p:cNvPr>
+          <p:cNvCxnSpPr>
+            <a:cxnSpLocks/>
+          </p:cNvCxnSpPr>
+          <p:nvPr/>
+        </p:nvCxnSpPr>
+        <p:spPr bwMode="auto">
+          <a:xfrm>
+            <a:off x="5711221" y="1529527"/>
+            <a:ext cx="578639" cy="135964"/>
+          </a:xfrm>
+          <a:prstGeom prst="line">
+            <a:avLst/>
+          </a:prstGeom>
+          <a:noFill/>
+          <a:ln w="19050">
+            <a:solidFill>
+              <a:srgbClr val="A81D5B"/>
+            </a:solidFill>
+            <a:miter lim="800000"/>
+            <a:headEnd type="none" w="med" len="med"/>
+            <a:tailEnd type="none" w="med" len="med"/>
+          </a:ln>
+          <a:effectLst/>
+        </p:spPr>
+      </p:cxnSp>
+      <p:sp>
+        <p:nvSpPr>
+          <p:cNvPr id="80" name="Dreieck 79">
+            <a:extLst>
+              <a:ext uri="{FF2B5EF4-FFF2-40B4-BE49-F238E27FC236}">
+                <a16:creationId xmlns:a16="http://schemas.microsoft.com/office/drawing/2014/main" id="{7258FEDD-70EE-A53F-26FF-9574AB511203}"/>
+              </a:ext>
+            </a:extLst>
+          </p:cNvPr>
+          <p:cNvSpPr/>
+          <p:nvPr/>
+        </p:nvSpPr>
+        <p:spPr>
+          <a:xfrm rot="6381048">
+            <a:off x="6262166" y="1642680"/>
+            <a:ext cx="107096" cy="80609"/>
+          </a:xfrm>
+          <a:prstGeom prst="triangle">
+            <a:avLst/>
+          </a:prstGeom>
+          <a:solidFill>
+            <a:srgbClr val="A81D5B"/>
+          </a:solidFill>
+          <a:ln w="6350">
+            <a:solidFill>
+              <a:schemeClr val="tx1">
+                <a:lumMod val="50000"/>
+                <a:lumOff val="50000"/>
+              </a:schemeClr>
+            </a:solidFill>
+          </a:ln>
+        </p:spPr>
+        <p:txBody>
+          <a:bodyPr wrap="square" rtlCol="0" anchor="ctr">
+            <a:spAutoFit/>
+          </a:bodyPr>
+          <a:lstStyle/>
+          <a:p>
+            <a:pPr algn="ctr"/>
+            <a:endParaRPr lang="en-US" sz="1800" dirty="0">
+              <a:latin typeface="Consolas" pitchFamily="49" charset="0"/>
+              <a:cs typeface="Consolas" pitchFamily="49" charset="0"/>
+            </a:endParaRPr>
+          </a:p>
+        </p:txBody>
+      </p:sp>
+      <p:sp>
+        <p:nvSpPr>
+          <p:cNvPr id="82" name="Textfeld 81">
+            <a:extLst>
+              <a:ext uri="{FF2B5EF4-FFF2-40B4-BE49-F238E27FC236}">
+                <a16:creationId xmlns:a16="http://schemas.microsoft.com/office/drawing/2014/main" id="{8F45A886-C10C-BD6B-3C18-4913586E9E4D}"/>
+              </a:ext>
+            </a:extLst>
+          </p:cNvPr>
+          <p:cNvSpPr txBox="1"/>
+          <p:nvPr/>
+        </p:nvSpPr>
+        <p:spPr bwMode="auto">
+          <a:xfrm>
+            <a:off x="6320813" y="1478710"/>
+            <a:ext cx="1084369" cy="307777"/>
+          </a:xfrm>
+          <a:prstGeom prst="rect">
+            <a:avLst/>
+          </a:prstGeom>
+          <a:noFill/>
+          <a:ln w="6350">
+            <a:noFill/>
+          </a:ln>
+          <a:effectLst/>
+        </p:spPr>
+        <p:txBody>
+          <a:bodyPr wrap="square" rtlCol="0">
+            <a:spAutoFit/>
+          </a:bodyPr>
+          <a:lstStyle/>
+          <a:p>
+            <a:r>
+              <a:rPr lang="en-US" sz="1400" dirty="0">
+                <a:latin typeface="+mn-lt"/>
+              </a:rPr>
+              <a:t>16 overlaps</a:t>
+            </a:r>
+          </a:p>
+        </p:txBody>
+      </p:sp>
+      <p:sp>
+        <p:nvSpPr>
+          <p:cNvPr id="83" name="Textfeld 82">
+            <a:extLst>
+              <a:ext uri="{FF2B5EF4-FFF2-40B4-BE49-F238E27FC236}">
+                <a16:creationId xmlns:a16="http://schemas.microsoft.com/office/drawing/2014/main" id="{F40350D5-289F-BBBD-440B-49AE00A4E75D}"/>
+              </a:ext>
+            </a:extLst>
+          </p:cNvPr>
+          <p:cNvSpPr txBox="1"/>
+          <p:nvPr/>
+        </p:nvSpPr>
+        <p:spPr bwMode="auto">
+          <a:xfrm>
+            <a:off x="6073313" y="1145609"/>
+            <a:ext cx="1507581" cy="338554"/>
+          </a:xfrm>
+          <a:prstGeom prst="rect">
+            <a:avLst/>
+          </a:prstGeom>
+          <a:noFill/>
+          <a:ln w="6350">
+            <a:noFill/>
+          </a:ln>
+          <a:effectLst/>
+        </p:spPr>
+        <p:txBody>
+          <a:bodyPr wrap="square" rtlCol="0">
+            <a:spAutoFit/>
+          </a:bodyPr>
+          <a:lstStyle/>
+          <a:p>
+            <a:r>
+              <a:rPr lang="en-US" sz="1600" dirty="0">
+                <a:solidFill>
+                  <a:schemeClr val="bg2"/>
+                </a:solidFill>
+                <a:latin typeface="+mn-lt"/>
+              </a:rPr>
+              <a:t>input image:</a:t>
+            </a:r>
+          </a:p>
+        </p:txBody>
+      </p:sp>
+      <p:cxnSp>
+        <p:nvCxnSpPr>
+          <p:cNvPr id="84" name="Gerade Verbindung 83">
+            <a:extLst>
+              <a:ext uri="{FF2B5EF4-FFF2-40B4-BE49-F238E27FC236}">
+                <a16:creationId xmlns:a16="http://schemas.microsoft.com/office/drawing/2014/main" id="{28B55ACC-FB1A-BE6B-32DB-D4F9F980EE69}"/>
+              </a:ext>
+            </a:extLst>
+          </p:cNvPr>
+          <p:cNvCxnSpPr>
+            <a:cxnSpLocks/>
+          </p:cNvCxnSpPr>
+          <p:nvPr/>
+        </p:nvCxnSpPr>
+        <p:spPr bwMode="auto">
+          <a:xfrm flipV="1">
+            <a:off x="4724400" y="2565692"/>
+            <a:ext cx="1384722" cy="1777708"/>
+          </a:xfrm>
+          <a:prstGeom prst="line">
+            <a:avLst/>
+          </a:prstGeom>
+          <a:noFill/>
+          <a:ln w="19050">
+            <a:solidFill>
+              <a:srgbClr val="A81D5B"/>
+            </a:solidFill>
+            <a:miter lim="800000"/>
+            <a:headEnd type="none" w="med" len="med"/>
+            <a:tailEnd type="none" w="med" len="med"/>
+          </a:ln>
+          <a:effectLst/>
+        </p:spPr>
+      </p:cxnSp>
+      <p:sp>
+        <p:nvSpPr>
+          <p:cNvPr id="87" name="Rechteck 86">
+            <a:extLst>
+              <a:ext uri="{FF2B5EF4-FFF2-40B4-BE49-F238E27FC236}">
+                <a16:creationId xmlns:a16="http://schemas.microsoft.com/office/drawing/2014/main" id="{5A85CAF2-8059-216E-B5FF-B7429495CC27}"/>
+              </a:ext>
+            </a:extLst>
+          </p:cNvPr>
+          <p:cNvSpPr/>
+          <p:nvPr/>
+        </p:nvSpPr>
+        <p:spPr>
+          <a:xfrm>
+            <a:off x="4724400" y="4419600"/>
+            <a:ext cx="731552" cy="1407024"/>
+          </a:xfrm>
+          <a:prstGeom prst="rect">
+            <a:avLst/>
+          </a:prstGeom>
+          <a:noFill/>
+          <a:ln w="25400">
+            <a:solidFill>
+              <a:schemeClr val="tx1"/>
+            </a:solidFill>
+          </a:ln>
+        </p:spPr>
+        <p:txBody>
+          <a:bodyPr wrap="square" rtlCol="0" anchor="ctr">
+            <a:spAutoFit/>
+          </a:bodyPr>
+          <a:lstStyle/>
+          <a:p>
+            <a:pPr algn="ctr"/>
+            <a:endParaRPr lang="en-US" sz="1800" dirty="0">
+              <a:latin typeface="Consolas" pitchFamily="49" charset="0"/>
+              <a:cs typeface="Consolas" pitchFamily="49" charset="0"/>
+            </a:endParaRPr>
+          </a:p>
+        </p:txBody>
+      </p:sp>
+      <p:cxnSp>
+        <p:nvCxnSpPr>
+          <p:cNvPr id="90" name="Gerade Verbindung 89">
+            <a:extLst>
+              <a:ext uri="{FF2B5EF4-FFF2-40B4-BE49-F238E27FC236}">
+                <a16:creationId xmlns:a16="http://schemas.microsoft.com/office/drawing/2014/main" id="{F6F11572-3170-4680-7A13-3419958F50C8}"/>
+              </a:ext>
+            </a:extLst>
+          </p:cNvPr>
+          <p:cNvCxnSpPr>
+            <a:cxnSpLocks/>
+            <a:endCxn id="65" idx="2"/>
+          </p:cNvCxnSpPr>
+          <p:nvPr/>
+        </p:nvCxnSpPr>
+        <p:spPr bwMode="auto">
+          <a:xfrm flipV="1">
+            <a:off x="5458063" y="2567517"/>
+            <a:ext cx="843951" cy="1775883"/>
+          </a:xfrm>
+          <a:prstGeom prst="line">
+            <a:avLst/>
+          </a:prstGeom>
+          <a:noFill/>
+          <a:ln w="19050">
+            <a:solidFill>
+              <a:srgbClr val="A81D5B"/>
+            </a:solidFill>
+            <a:miter lim="800000"/>
+            <a:headEnd type="none" w="med" len="med"/>
+            <a:tailEnd type="none" w="med" len="med"/>
+          </a:ln>
+          <a:effectLst/>
+        </p:spPr>
+      </p:cxnSp>
+      <p:sp>
+        <p:nvSpPr>
+          <p:cNvPr id="93" name="Textfeld 92">
+            <a:extLst>
+              <a:ext uri="{FF2B5EF4-FFF2-40B4-BE49-F238E27FC236}">
+                <a16:creationId xmlns:a16="http://schemas.microsoft.com/office/drawing/2014/main" id="{F8D140FA-E969-E6F7-80A2-701D4158BE8A}"/>
+              </a:ext>
+            </a:extLst>
+          </p:cNvPr>
+          <p:cNvSpPr txBox="1"/>
+          <p:nvPr/>
+        </p:nvSpPr>
+        <p:spPr bwMode="auto">
+          <a:xfrm>
+            <a:off x="5805396" y="4914293"/>
+            <a:ext cx="441146" cy="338554"/>
+          </a:xfrm>
+          <a:prstGeom prst="rect">
+            <a:avLst/>
+          </a:prstGeom>
+          <a:noFill/>
+          <a:ln w="6350">
+            <a:noFill/>
+          </a:ln>
+          <a:effectLst/>
+        </p:spPr>
+        <p:txBody>
+          <a:bodyPr wrap="none" rtlCol="0">
+            <a:spAutoFit/>
+          </a:bodyPr>
+          <a:lstStyle/>
+          <a:p>
+            <a:r>
+              <a:rPr lang="en-US" sz="1600" dirty="0">
+                <a:latin typeface="+mn-lt"/>
+              </a:rPr>
+              <a:t>. . .</a:t>
+            </a:r>
+          </a:p>
+        </p:txBody>
+      </p:sp>
+      <p:sp>
+        <p:nvSpPr>
+          <p:cNvPr id="94" name="Rechteck 93">
+            <a:extLst>
+              <a:ext uri="{FF2B5EF4-FFF2-40B4-BE49-F238E27FC236}">
+                <a16:creationId xmlns:a16="http://schemas.microsoft.com/office/drawing/2014/main" id="{058B6CE4-E8FF-7693-8378-8297D5386D3E}"/>
+              </a:ext>
+            </a:extLst>
+          </p:cNvPr>
+          <p:cNvSpPr/>
+          <p:nvPr/>
+        </p:nvSpPr>
+        <p:spPr>
+          <a:xfrm>
+            <a:off x="6523208" y="4419600"/>
+            <a:ext cx="731552" cy="1407024"/>
+          </a:xfrm>
+          <a:prstGeom prst="rect">
+            <a:avLst/>
+          </a:prstGeom>
+          <a:noFill/>
+          <a:ln w="25400">
+            <a:solidFill>
+              <a:schemeClr val="tx1"/>
+            </a:solidFill>
+          </a:ln>
+        </p:spPr>
+        <p:txBody>
+          <a:bodyPr wrap="square" rtlCol="0" anchor="ctr">
+            <a:spAutoFit/>
+          </a:bodyPr>
+          <a:lstStyle/>
+          <a:p>
+            <a:pPr algn="ctr"/>
+            <a:endParaRPr lang="en-US" sz="1800" dirty="0">
+              <a:latin typeface="Consolas" pitchFamily="49" charset="0"/>
+              <a:cs typeface="Consolas" pitchFamily="49" charset="0"/>
+            </a:endParaRPr>
+          </a:p>
+        </p:txBody>
+      </p:sp>
+      <p:sp>
+        <p:nvSpPr>
+          <p:cNvPr id="95" name="Textfeld 94">
+            <a:extLst>
+              <a:ext uri="{FF2B5EF4-FFF2-40B4-BE49-F238E27FC236}">
+                <a16:creationId xmlns:a16="http://schemas.microsoft.com/office/drawing/2014/main" id="{F9FC72B8-4C98-17FB-DEE7-28BB600DD2C1}"/>
+              </a:ext>
+            </a:extLst>
+          </p:cNvPr>
+          <p:cNvSpPr txBox="1"/>
+          <p:nvPr/>
+        </p:nvSpPr>
+        <p:spPr bwMode="auto">
+          <a:xfrm>
+            <a:off x="5518016" y="4815335"/>
+            <a:ext cx="1084369" cy="307777"/>
+          </a:xfrm>
+          <a:prstGeom prst="rect">
+            <a:avLst/>
+          </a:prstGeom>
+          <a:noFill/>
+          <a:ln w="6350">
+            <a:noFill/>
+          </a:ln>
+          <a:effectLst/>
+        </p:spPr>
+        <p:txBody>
+          <a:bodyPr wrap="square" rtlCol="0">
+            <a:spAutoFit/>
+          </a:bodyPr>
+          <a:lstStyle/>
+          <a:p>
+            <a:r>
+              <a:rPr lang="en-US" sz="1400" dirty="0">
+                <a:latin typeface="+mn-lt"/>
+              </a:rPr>
+              <a:t>16 overlaps</a:t>
+            </a:r>
+          </a:p>
+        </p:txBody>
+      </p:sp>
+      <p:cxnSp>
+        <p:nvCxnSpPr>
+          <p:cNvPr id="96" name="Gerade Verbindung 95">
+            <a:extLst>
+              <a:ext uri="{FF2B5EF4-FFF2-40B4-BE49-F238E27FC236}">
+                <a16:creationId xmlns:a16="http://schemas.microsoft.com/office/drawing/2014/main" id="{E4CA5734-2894-9FF1-E4B4-E5D01FC48C86}"/>
+              </a:ext>
+            </a:extLst>
+          </p:cNvPr>
+          <p:cNvCxnSpPr>
+            <a:cxnSpLocks/>
+          </p:cNvCxnSpPr>
+          <p:nvPr/>
+        </p:nvCxnSpPr>
+        <p:spPr bwMode="auto">
+          <a:xfrm flipV="1">
+            <a:off x="6499396" y="2565692"/>
+            <a:ext cx="70215" cy="1824151"/>
+          </a:xfrm>
+          <a:prstGeom prst="line">
+            <a:avLst/>
+          </a:prstGeom>
+          <a:noFill/>
+          <a:ln w="19050">
+            <a:solidFill>
+              <a:srgbClr val="A81D5B"/>
+            </a:solidFill>
+            <a:miter lim="800000"/>
+            <a:headEnd type="none" w="med" len="med"/>
+            <a:tailEnd type="none" w="med" len="med"/>
+          </a:ln>
+          <a:effectLst/>
+        </p:spPr>
+      </p:cxnSp>
+      <p:cxnSp>
+        <p:nvCxnSpPr>
+          <p:cNvPr id="100" name="Gerade Verbindung 99">
+            <a:extLst>
+              <a:ext uri="{FF2B5EF4-FFF2-40B4-BE49-F238E27FC236}">
+                <a16:creationId xmlns:a16="http://schemas.microsoft.com/office/drawing/2014/main" id="{3714F073-8FE7-3393-75F5-495FD8647A90}"/>
+              </a:ext>
+            </a:extLst>
+          </p:cNvPr>
+          <p:cNvCxnSpPr>
+            <a:cxnSpLocks/>
+          </p:cNvCxnSpPr>
+          <p:nvPr/>
+        </p:nvCxnSpPr>
+        <p:spPr bwMode="auto">
+          <a:xfrm flipH="1" flipV="1">
+            <a:off x="6793200" y="2565692"/>
+            <a:ext cx="461560" cy="1777708"/>
+          </a:xfrm>
+          <a:prstGeom prst="line">
+            <a:avLst/>
+          </a:prstGeom>
+          <a:noFill/>
+          <a:ln w="19050">
+            <a:solidFill>
+              <a:srgbClr val="A81D5B"/>
+            </a:solidFill>
+            <a:miter lim="800000"/>
+            <a:headEnd type="none" w="med" len="med"/>
+            <a:tailEnd type="none" w="med" len="med"/>
+          </a:ln>
+          <a:effectLst/>
+        </p:spPr>
+      </p:cxnSp>
+      <p:cxnSp>
+        <p:nvCxnSpPr>
+          <p:cNvPr id="109" name="Gerade Verbindung 108">
+            <a:extLst>
+              <a:ext uri="{FF2B5EF4-FFF2-40B4-BE49-F238E27FC236}">
+                <a16:creationId xmlns:a16="http://schemas.microsoft.com/office/drawing/2014/main" id="{CB897F1E-30FF-F6CB-7F1B-7D29967FD0F1}"/>
+              </a:ext>
+            </a:extLst>
+          </p:cNvPr>
+          <p:cNvCxnSpPr>
+            <a:cxnSpLocks/>
+          </p:cNvCxnSpPr>
+          <p:nvPr/>
+        </p:nvCxnSpPr>
+        <p:spPr bwMode="auto">
+          <a:xfrm>
+            <a:off x="4754400" y="4495800"/>
+            <a:ext cx="274800" cy="0"/>
+          </a:xfrm>
+          <a:prstGeom prst="line">
+            <a:avLst/>
+          </a:prstGeom>
+          <a:noFill/>
+          <a:ln w="41275">
+            <a:solidFill>
+              <a:schemeClr val="tx2">
+                <a:lumMod val="50000"/>
+                <a:lumOff val="50000"/>
+              </a:schemeClr>
+            </a:solidFill>
+            <a:prstDash val="solid"/>
+            <a:miter lim="800000"/>
+            <a:headEnd type="none" w="med" len="med"/>
+            <a:tailEnd type="none" w="med" len="med"/>
+          </a:ln>
+          <a:effectLst/>
+        </p:spPr>
+      </p:cxnSp>
+      <p:cxnSp>
+        <p:nvCxnSpPr>
+          <p:cNvPr id="111" name="Gerade Verbindung 110">
+            <a:extLst>
+              <a:ext uri="{FF2B5EF4-FFF2-40B4-BE49-F238E27FC236}">
+                <a16:creationId xmlns:a16="http://schemas.microsoft.com/office/drawing/2014/main" id="{D3D9DD34-57ED-0977-26D8-C8A53643F677}"/>
+              </a:ext>
+            </a:extLst>
+          </p:cNvPr>
+          <p:cNvCxnSpPr>
+            <a:cxnSpLocks/>
+          </p:cNvCxnSpPr>
+          <p:nvPr/>
+        </p:nvCxnSpPr>
+        <p:spPr bwMode="auto">
+          <a:xfrm>
+            <a:off x="6569611" y="4495800"/>
+            <a:ext cx="274800" cy="0"/>
+          </a:xfrm>
+          <a:prstGeom prst="line">
+            <a:avLst/>
+          </a:prstGeom>
+          <a:noFill/>
+          <a:ln w="41275">
+            <a:solidFill>
+              <a:schemeClr val="tx2">
+                <a:lumMod val="50000"/>
+                <a:lumOff val="50000"/>
+              </a:schemeClr>
+            </a:solidFill>
+            <a:prstDash val="solid"/>
+            <a:miter lim="800000"/>
+            <a:headEnd type="none" w="med" len="med"/>
+            <a:tailEnd type="none" w="med" len="med"/>
+          </a:ln>
+          <a:effectLst/>
+        </p:spPr>
+      </p:cxnSp>
+      <p:sp>
+        <p:nvSpPr>
+          <p:cNvPr id="115" name="Rechteck 114">
+            <a:extLst>
+              <a:ext uri="{FF2B5EF4-FFF2-40B4-BE49-F238E27FC236}">
+                <a16:creationId xmlns:a16="http://schemas.microsoft.com/office/drawing/2014/main" id="{3AE82FC7-A5AD-AA1C-298C-44138D9D8C9B}"/>
+              </a:ext>
+            </a:extLst>
+          </p:cNvPr>
+          <p:cNvSpPr/>
+          <p:nvPr/>
+        </p:nvSpPr>
+        <p:spPr>
+          <a:xfrm>
+            <a:off x="1629920" y="4389843"/>
+            <a:ext cx="731552" cy="1407024"/>
+          </a:xfrm>
+          <a:prstGeom prst="rect">
+            <a:avLst/>
+          </a:prstGeom>
+          <a:noFill/>
+          <a:ln w="25400">
+            <a:solidFill>
+              <a:schemeClr val="tx1"/>
+            </a:solidFill>
+          </a:ln>
+        </p:spPr>
+        <p:txBody>
+          <a:bodyPr wrap="square" rtlCol="0" anchor="ctr">
+            <a:spAutoFit/>
+          </a:bodyPr>
+          <a:lstStyle/>
+          <a:p>
+            <a:pPr algn="ctr"/>
+            <a:endParaRPr lang="en-US" sz="1800" dirty="0">
+              <a:latin typeface="Consolas" pitchFamily="49" charset="0"/>
+              <a:cs typeface="Consolas" pitchFamily="49" charset="0"/>
+            </a:endParaRPr>
+          </a:p>
+        </p:txBody>
+      </p:sp>
+      <p:cxnSp>
+        <p:nvCxnSpPr>
+          <p:cNvPr id="116" name="Gerade Verbindung 115">
+            <a:extLst>
+              <a:ext uri="{FF2B5EF4-FFF2-40B4-BE49-F238E27FC236}">
+                <a16:creationId xmlns:a16="http://schemas.microsoft.com/office/drawing/2014/main" id="{1A10768D-7F34-22E1-8D68-4CC7482158F0}"/>
+              </a:ext>
+            </a:extLst>
+          </p:cNvPr>
+          <p:cNvCxnSpPr>
+            <a:cxnSpLocks/>
+          </p:cNvCxnSpPr>
+          <p:nvPr/>
+        </p:nvCxnSpPr>
+        <p:spPr bwMode="auto">
+          <a:xfrm>
+            <a:off x="1659920" y="4466043"/>
+            <a:ext cx="274800" cy="0"/>
+          </a:xfrm>
+          <a:prstGeom prst="line">
+            <a:avLst/>
+          </a:prstGeom>
+          <a:noFill/>
+          <a:ln w="41275">
+            <a:solidFill>
+              <a:schemeClr val="tx2">
+                <a:lumMod val="50000"/>
+                <a:lumOff val="50000"/>
+              </a:schemeClr>
+            </a:solidFill>
+            <a:prstDash val="solid"/>
+            <a:miter lim="800000"/>
+            <a:headEnd type="none" w="med" len="med"/>
+            <a:tailEnd type="none" w="med" len="med"/>
+          </a:ln>
+          <a:effectLst/>
+        </p:spPr>
+      </p:cxnSp>
+      <p:cxnSp>
+        <p:nvCxnSpPr>
+          <p:cNvPr id="117" name="Gerade Verbindung 116">
+            <a:extLst>
+              <a:ext uri="{FF2B5EF4-FFF2-40B4-BE49-F238E27FC236}">
+                <a16:creationId xmlns:a16="http://schemas.microsoft.com/office/drawing/2014/main" id="{5DFD1A15-4F86-2997-1BE9-018D1043B67E}"/>
+              </a:ext>
+            </a:extLst>
+          </p:cNvPr>
+          <p:cNvCxnSpPr>
+            <a:cxnSpLocks/>
+          </p:cNvCxnSpPr>
+          <p:nvPr/>
+        </p:nvCxnSpPr>
+        <p:spPr bwMode="auto">
+          <a:xfrm flipH="1" flipV="1">
+            <a:off x="1335803" y="2140200"/>
+            <a:ext cx="274412" cy="2203200"/>
+          </a:xfrm>
+          <a:prstGeom prst="line">
+            <a:avLst/>
+          </a:prstGeom>
+          <a:noFill/>
+          <a:ln w="19050">
+            <a:solidFill>
+              <a:srgbClr val="A81D5B"/>
+            </a:solidFill>
+            <a:miter lim="800000"/>
+            <a:headEnd type="none" w="med" len="med"/>
+            <a:tailEnd type="none" w="med" len="med"/>
+          </a:ln>
+          <a:effectLst/>
+        </p:spPr>
+      </p:cxnSp>
+      <p:cxnSp>
+        <p:nvCxnSpPr>
+          <p:cNvPr id="121" name="Gerade Verbindung 120">
+            <a:extLst>
+              <a:ext uri="{FF2B5EF4-FFF2-40B4-BE49-F238E27FC236}">
+                <a16:creationId xmlns:a16="http://schemas.microsoft.com/office/drawing/2014/main" id="{8406AFD1-DAD9-4472-9229-DA4DF3536507}"/>
+              </a:ext>
+            </a:extLst>
+          </p:cNvPr>
+          <p:cNvCxnSpPr>
+            <a:cxnSpLocks/>
+          </p:cNvCxnSpPr>
+          <p:nvPr/>
+        </p:nvCxnSpPr>
+        <p:spPr bwMode="auto">
+          <a:xfrm flipH="1" flipV="1">
+            <a:off x="1508400" y="2142000"/>
+            <a:ext cx="846648" cy="2201400"/>
+          </a:xfrm>
+          <a:prstGeom prst="line">
+            <a:avLst/>
+          </a:prstGeom>
+          <a:noFill/>
+          <a:ln w="19050">
+            <a:solidFill>
+              <a:srgbClr val="A81D5B"/>
+            </a:solidFill>
+            <a:miter lim="800000"/>
+            <a:headEnd type="none" w="med" len="med"/>
+            <a:tailEnd type="none" w="med" len="med"/>
+          </a:ln>
+          <a:effectLst/>
+        </p:spPr>
+      </p:cxnSp>
+      <p:cxnSp>
+        <p:nvCxnSpPr>
+          <p:cNvPr id="127" name="Gerade Verbindung 126">
+            <a:extLst>
+              <a:ext uri="{FF2B5EF4-FFF2-40B4-BE49-F238E27FC236}">
+                <a16:creationId xmlns:a16="http://schemas.microsoft.com/office/drawing/2014/main" id="{BDD465BD-0439-5B63-CBE2-C0CEBD9C91CF}"/>
+              </a:ext>
+            </a:extLst>
+          </p:cNvPr>
+          <p:cNvCxnSpPr>
+            <a:cxnSpLocks/>
+          </p:cNvCxnSpPr>
+          <p:nvPr/>
+        </p:nvCxnSpPr>
+        <p:spPr bwMode="auto">
+          <a:xfrm flipV="1">
+            <a:off x="1833804" y="4154890"/>
+            <a:ext cx="1985553" cy="234953"/>
+          </a:xfrm>
+          <a:prstGeom prst="line">
+            <a:avLst/>
+          </a:prstGeom>
+          <a:noFill/>
+          <a:ln w="19050">
+            <a:solidFill>
+              <a:schemeClr val="tx2">
+                <a:lumMod val="50000"/>
+                <a:lumOff val="50000"/>
+              </a:schemeClr>
+            </a:solidFill>
+            <a:miter lim="800000"/>
+            <a:headEnd type="none" w="med" len="med"/>
+            <a:tailEnd type="none" w="med" len="med"/>
+          </a:ln>
+          <a:effectLst/>
+        </p:spPr>
+      </p:cxnSp>
+      <p:cxnSp>
+        <p:nvCxnSpPr>
+          <p:cNvPr id="131" name="Gerade Verbindung 130">
+            <a:extLst>
+              <a:ext uri="{FF2B5EF4-FFF2-40B4-BE49-F238E27FC236}">
+                <a16:creationId xmlns:a16="http://schemas.microsoft.com/office/drawing/2014/main" id="{C998DCD3-58DB-C2ED-00E1-6D43957BBE52}"/>
+              </a:ext>
+            </a:extLst>
+          </p:cNvPr>
+          <p:cNvCxnSpPr>
+            <a:cxnSpLocks/>
+          </p:cNvCxnSpPr>
+          <p:nvPr/>
+        </p:nvCxnSpPr>
+        <p:spPr bwMode="auto">
+          <a:xfrm>
+            <a:off x="3819357" y="4154890"/>
+            <a:ext cx="953433" cy="264710"/>
+          </a:xfrm>
+          <a:prstGeom prst="line">
+            <a:avLst/>
+          </a:prstGeom>
+          <a:noFill/>
+          <a:ln w="19050">
+            <a:solidFill>
+              <a:schemeClr val="tx2">
+                <a:lumMod val="50000"/>
+                <a:lumOff val="50000"/>
+              </a:schemeClr>
+            </a:solidFill>
+            <a:miter lim="800000"/>
+            <a:headEnd type="none" w="med" len="med"/>
+            <a:tailEnd type="none" w="med" len="med"/>
+          </a:ln>
+          <a:effectLst/>
+        </p:spPr>
+      </p:cxnSp>
+      <p:cxnSp>
+        <p:nvCxnSpPr>
+          <p:cNvPr id="134" name="Gerade Verbindung 133">
+            <a:extLst>
+              <a:ext uri="{FF2B5EF4-FFF2-40B4-BE49-F238E27FC236}">
+                <a16:creationId xmlns:a16="http://schemas.microsoft.com/office/drawing/2014/main" id="{0D1D590C-5EDD-4D16-F80E-56806E8E3530}"/>
+              </a:ext>
+            </a:extLst>
+          </p:cNvPr>
+          <p:cNvCxnSpPr>
+            <a:cxnSpLocks/>
+          </p:cNvCxnSpPr>
+          <p:nvPr/>
+        </p:nvCxnSpPr>
+        <p:spPr bwMode="auto">
+          <a:xfrm flipV="1">
+            <a:off x="1770221" y="3773468"/>
+            <a:ext cx="2583271" cy="608032"/>
+          </a:xfrm>
+          <a:prstGeom prst="line">
+            <a:avLst/>
+          </a:prstGeom>
+          <a:noFill/>
+          <a:ln w="19050">
+            <a:solidFill>
+              <a:schemeClr val="tx2">
+                <a:lumMod val="50000"/>
+                <a:lumOff val="50000"/>
+              </a:schemeClr>
+            </a:solidFill>
+            <a:miter lim="800000"/>
+            <a:headEnd type="none" w="med" len="med"/>
+            <a:tailEnd type="none" w="med" len="med"/>
+          </a:ln>
+          <a:effectLst/>
+        </p:spPr>
+      </p:cxnSp>
+      <p:cxnSp>
+        <p:nvCxnSpPr>
+          <p:cNvPr id="136" name="Gerade Verbindung 135">
+            <a:extLst>
+              <a:ext uri="{FF2B5EF4-FFF2-40B4-BE49-F238E27FC236}">
+                <a16:creationId xmlns:a16="http://schemas.microsoft.com/office/drawing/2014/main" id="{7615EC46-172C-3E6B-328C-C8E349287F01}"/>
+              </a:ext>
+            </a:extLst>
+          </p:cNvPr>
+          <p:cNvCxnSpPr>
+            <a:cxnSpLocks/>
+          </p:cNvCxnSpPr>
+          <p:nvPr/>
+        </p:nvCxnSpPr>
+        <p:spPr bwMode="auto">
+          <a:xfrm>
+            <a:off x="4350081" y="3773468"/>
+            <a:ext cx="2265058" cy="646132"/>
+          </a:xfrm>
+          <a:prstGeom prst="line">
+            <a:avLst/>
+          </a:prstGeom>
+          <a:noFill/>
+          <a:ln w="19050">
+            <a:solidFill>
+              <a:schemeClr val="tx2">
+                <a:lumMod val="50000"/>
+                <a:lumOff val="50000"/>
+              </a:schemeClr>
+            </a:solidFill>
+            <a:miter lim="800000"/>
+            <a:headEnd type="none" w="med" len="med"/>
+            <a:tailEnd type="none" w="med" len="med"/>
+          </a:ln>
+          <a:effectLst/>
+        </p:spPr>
+      </p:cxnSp>
+      <p:sp>
+        <p:nvSpPr>
+          <p:cNvPr id="138" name="Geschweifte Klammer rechts 137">
+            <a:extLst>
+              <a:ext uri="{FF2B5EF4-FFF2-40B4-BE49-F238E27FC236}">
+                <a16:creationId xmlns:a16="http://schemas.microsoft.com/office/drawing/2014/main" id="{5FD966AA-6500-959D-2A1B-9406CD294F98}"/>
+              </a:ext>
+            </a:extLst>
+          </p:cNvPr>
+          <p:cNvSpPr/>
+          <p:nvPr/>
+        </p:nvSpPr>
+        <p:spPr bwMode="auto">
+          <a:xfrm rot="16200000" flipH="1">
+            <a:off x="6590070" y="4531236"/>
+            <a:ext cx="233883" cy="274801"/>
+          </a:xfrm>
+          <a:prstGeom prst="rightBrace">
+            <a:avLst>
+              <a:gd name="adj1" fmla="val 10548"/>
+              <a:gd name="adj2" fmla="val 47997"/>
+            </a:avLst>
+          </a:prstGeom>
+          <a:noFill/>
+          <a:ln w="12700">
+            <a:solidFill>
+              <a:srgbClr val="000000"/>
+            </a:solidFill>
+            <a:miter lim="800000"/>
+            <a:headEnd type="none" w="med" len="med"/>
+            <a:tailEnd type="none" w="med" len="med"/>
+          </a:ln>
+          <a:effectLst/>
+        </p:spPr>
+        <p:txBody>
+          <a:bodyPr tIns="72000" rtlCol="0" anchor="ctr"/>
+          <a:lstStyle/>
+          <a:p>
+            <a:pPr algn="ctr"/>
+            <a:endParaRPr lang="en-US"/>
+          </a:p>
+        </p:txBody>
+      </p:sp>
+      <p:cxnSp>
+        <p:nvCxnSpPr>
+          <p:cNvPr id="139" name="Gerade Verbindung 138">
+            <a:extLst>
+              <a:ext uri="{FF2B5EF4-FFF2-40B4-BE49-F238E27FC236}">
+                <a16:creationId xmlns:a16="http://schemas.microsoft.com/office/drawing/2014/main" id="{D98C9073-A775-2350-0332-90961425F188}"/>
+              </a:ext>
+            </a:extLst>
+          </p:cNvPr>
+          <p:cNvCxnSpPr>
+            <a:cxnSpLocks/>
+          </p:cNvCxnSpPr>
+          <p:nvPr/>
+        </p:nvCxnSpPr>
+        <p:spPr bwMode="auto">
+          <a:xfrm>
+            <a:off x="6707011" y="4785578"/>
+            <a:ext cx="824415" cy="197457"/>
+          </a:xfrm>
+          <a:prstGeom prst="line">
+            <a:avLst/>
+          </a:prstGeom>
+          <a:noFill/>
+          <a:ln w="12700">
+            <a:solidFill>
+              <a:schemeClr val="tx1"/>
+            </a:solidFill>
+            <a:miter lim="800000"/>
+            <a:headEnd type="none" w="med" len="med"/>
+            <a:tailEnd type="none" w="med" len="med"/>
+          </a:ln>
+          <a:effectLst/>
+        </p:spPr>
+      </p:cxnSp>
+      <p:sp>
+        <p:nvSpPr>
+          <p:cNvPr id="142" name="Textfeld 141">
+            <a:extLst>
+              <a:ext uri="{FF2B5EF4-FFF2-40B4-BE49-F238E27FC236}">
+                <a16:creationId xmlns:a16="http://schemas.microsoft.com/office/drawing/2014/main" id="{1EC95BEA-D594-1F82-2D13-E299216D541B}"/>
+              </a:ext>
+            </a:extLst>
+          </p:cNvPr>
+          <p:cNvSpPr txBox="1"/>
+          <p:nvPr/>
+        </p:nvSpPr>
+        <p:spPr bwMode="auto">
+          <a:xfrm>
+            <a:off x="7506460" y="4831745"/>
+            <a:ext cx="1084369" cy="523220"/>
+          </a:xfrm>
+          <a:prstGeom prst="rect">
+            <a:avLst/>
+          </a:prstGeom>
+          <a:noFill/>
+          <a:ln w="6350">
+            <a:noFill/>
+          </a:ln>
+          <a:effectLst/>
+        </p:spPr>
+        <p:txBody>
+          <a:bodyPr wrap="square" rtlCol="0">
+            <a:spAutoFit/>
+          </a:bodyPr>
+          <a:lstStyle/>
+          <a:p>
+            <a:r>
+              <a:rPr lang="en-US" sz="1400" dirty="0">
+                <a:solidFill>
+                  <a:schemeClr val="tx2">
+                    <a:lumMod val="50000"/>
+                    <a:lumOff val="50000"/>
+                  </a:schemeClr>
+                </a:solidFill>
+                <a:latin typeface="+mn-lt"/>
+              </a:rPr>
+              <a:t>Vector with </a:t>
+            </a:r>
+          </a:p>
+          <a:p>
+            <a:r>
+              <a:rPr lang="en-US" sz="1400" dirty="0">
+                <a:solidFill>
+                  <a:schemeClr val="tx2">
+                    <a:lumMod val="50000"/>
+                    <a:lumOff val="50000"/>
+                  </a:schemeClr>
+                </a:solidFill>
+                <a:latin typeface="+mn-lt"/>
+              </a:rPr>
+              <a:t>8 </a:t>
+            </a:r>
+            <a:r>
+              <a:rPr lang="en-US" sz="1400" dirty="0" err="1">
+                <a:solidFill>
+                  <a:schemeClr val="tx2">
+                    <a:lumMod val="50000"/>
+                    <a:lumOff val="50000"/>
+                  </a:schemeClr>
+                </a:solidFill>
+                <a:latin typeface="+mn-lt"/>
+              </a:rPr>
+              <a:t>ints</a:t>
+            </a:r>
+            <a:endParaRPr lang="en-US" sz="1400" dirty="0">
+              <a:solidFill>
+                <a:schemeClr val="tx2">
+                  <a:lumMod val="50000"/>
+                  <a:lumOff val="50000"/>
+                </a:schemeClr>
+              </a:solidFill>
+              <a:latin typeface="+mn-lt"/>
+            </a:endParaRPr>
+          </a:p>
+        </p:txBody>
+      </p:sp>
+      <p:sp>
+        <p:nvSpPr>
+          <p:cNvPr id="143" name="Textfeld 142">
+            <a:extLst>
+              <a:ext uri="{FF2B5EF4-FFF2-40B4-BE49-F238E27FC236}">
+                <a16:creationId xmlns:a16="http://schemas.microsoft.com/office/drawing/2014/main" id="{CCA27428-F535-4B93-2A7F-106F90AE5176}"/>
+              </a:ext>
+            </a:extLst>
+          </p:cNvPr>
+          <p:cNvSpPr txBox="1"/>
+          <p:nvPr/>
+        </p:nvSpPr>
+        <p:spPr bwMode="auto">
+          <a:xfrm rot="20732848">
+            <a:off x="3079126" y="3699934"/>
+            <a:ext cx="914400" cy="276999"/>
+          </a:xfrm>
+          <a:prstGeom prst="rect">
+            <a:avLst/>
+          </a:prstGeom>
+          <a:noFill/>
+          <a:ln w="6350">
+            <a:noFill/>
+          </a:ln>
+          <a:effectLst/>
+        </p:spPr>
+        <p:txBody>
+          <a:bodyPr wrap="square" rtlCol="0">
+            <a:spAutoFit/>
+          </a:bodyPr>
+          <a:lstStyle/>
+          <a:p>
+            <a:r>
+              <a:rPr lang="en-US" sz="1200" dirty="0">
+                <a:solidFill>
+                  <a:schemeClr val="tx2">
+                    <a:lumMod val="50000"/>
+                    <a:lumOff val="50000"/>
+                  </a:schemeClr>
+                </a:solidFill>
+                <a:latin typeface="+mn-lt"/>
+              </a:rPr>
+              <a:t>compute</a:t>
+            </a:r>
+          </a:p>
+        </p:txBody>
+      </p:sp>
+      <p:sp>
+        <p:nvSpPr>
+          <p:cNvPr id="144" name="Textfeld 143">
+            <a:extLst>
+              <a:ext uri="{FF2B5EF4-FFF2-40B4-BE49-F238E27FC236}">
+                <a16:creationId xmlns:a16="http://schemas.microsoft.com/office/drawing/2014/main" id="{6A6E4129-B5B1-5A36-6173-5FC798ABDC0B}"/>
+              </a:ext>
+            </a:extLst>
+          </p:cNvPr>
+          <p:cNvSpPr txBox="1"/>
+          <p:nvPr/>
+        </p:nvSpPr>
+        <p:spPr bwMode="auto">
+          <a:xfrm rot="21126109">
+            <a:off x="3155625" y="3931407"/>
+            <a:ext cx="914400" cy="276999"/>
+          </a:xfrm>
+          <a:prstGeom prst="rect">
+            <a:avLst/>
+          </a:prstGeom>
+          <a:noFill/>
+          <a:ln w="6350">
+            <a:noFill/>
+          </a:ln>
+          <a:effectLst/>
+        </p:spPr>
+        <p:txBody>
+          <a:bodyPr wrap="square" rtlCol="0">
+            <a:spAutoFit/>
+          </a:bodyPr>
+          <a:lstStyle/>
+          <a:p>
+            <a:r>
+              <a:rPr lang="en-US" sz="1200" dirty="0">
+                <a:solidFill>
+                  <a:schemeClr val="tx2">
+                    <a:lumMod val="50000"/>
+                    <a:lumOff val="50000"/>
+                  </a:schemeClr>
+                </a:solidFill>
+                <a:latin typeface="+mn-lt"/>
+              </a:rPr>
+              <a:t>compute</a:t>
             </a:r>
           </a:p>
         </p:txBody>
@@ -5533,8 +7333,8 @@
           </a:p>
         </p:txBody>
       </p:sp>
-      <mc:AlternateContent xmlns:mc="http://schemas.openxmlformats.org/markup-compatibility/2006">
-        <mc:Choice xmlns:p14="http://schemas.microsoft.com/office/powerpoint/2010/main" Requires="p14">
+      <mc:AlternateContent xmlns:mc="http://schemas.openxmlformats.org/markup-compatibility/2006" xmlns:p14="http://schemas.microsoft.com/office/powerpoint/2010/main">
+        <mc:Choice Requires="p14">
           <p:contentPart p14:bwMode="auto" r:id="rId2">
             <p14:nvContentPartPr>
               <p14:cNvPr id="11" name="Freihand 10">
@@ -5553,7 +7353,7 @@
             </p14:xfrm>
           </p:contentPart>
         </mc:Choice>
-        <mc:Fallback>
+        <mc:Fallback xmlns="">
           <p:pic>
             <p:nvPicPr>
               <p:cNvPr id="11" name="Freihand 10">
@@ -5584,8 +7384,8 @@
           </p:pic>
         </mc:Fallback>
       </mc:AlternateContent>
-      <mc:AlternateContent xmlns:mc="http://schemas.openxmlformats.org/markup-compatibility/2006">
-        <mc:Choice xmlns:p14="http://schemas.microsoft.com/office/powerpoint/2010/main" Requires="p14">
+      <mc:AlternateContent xmlns:mc="http://schemas.openxmlformats.org/markup-compatibility/2006" xmlns:p14="http://schemas.microsoft.com/office/powerpoint/2010/main">
+        <mc:Choice Requires="p14">
           <p:contentPart p14:bwMode="auto" r:id="rId4">
             <p14:nvContentPartPr>
               <p14:cNvPr id="12" name="Freihand 11">
@@ -5604,7 +7404,7 @@
             </p14:xfrm>
           </p:contentPart>
         </mc:Choice>
-        <mc:Fallback>
+        <mc:Fallback xmlns="">
           <p:pic>
             <p:nvPicPr>
               <p:cNvPr id="12" name="Freihand 11">
@@ -6070,8 +7870,8 @@
         </p:nvSpPr>
         <p:spPr>
           <a:xfrm>
-            <a:off x="375773" y="1362075"/>
-            <a:ext cx="7896225" cy="1076326"/>
+            <a:off x="375773" y="1362074"/>
+            <a:ext cx="7896225" cy="4886325"/>
           </a:xfrm>
         </p:spPr>
         <p:txBody>
@@ -6080,13 +7880,27 @@
           <a:p>
             <a:r>
               <a:rPr lang="en-US" sz="1600" dirty="0"/>
-              <a:t>What have we done?</a:t>
+              <a:t> Put performance and runtime plots here...</a:t>
             </a:r>
           </a:p>
           <a:p>
             <a:r>
               <a:rPr lang="en-US" sz="1600" dirty="0"/>
-              <a:t>Put performance and runtime plots here...</a:t>
+              <a:t>Explain flops count…</a:t>
+            </a:r>
+          </a:p>
+          <a:p>
+            <a:r>
+              <a:rPr lang="en-US" sz="1600" dirty="0"/>
+              <a:t>Maybe show some </a:t>
+            </a:r>
+            <a:r>
+              <a:rPr lang="en-US" sz="1600" dirty="0" err="1"/>
+              <a:t>VTune</a:t>
+            </a:r>
+            <a:r>
+              <a:rPr lang="en-US" sz="1600" dirty="0"/>
+              <a:t> measurements</a:t>
             </a:r>
           </a:p>
         </p:txBody>
@@ -6094,7 +7908,7 @@
     </p:spTree>
     <p:extLst>
       <p:ext uri="{BB962C8B-B14F-4D97-AF65-F5344CB8AC3E}">
-        <p14:creationId xmlns:p14="http://schemas.microsoft.com/office/powerpoint/2010/main" val="2297957287"/>
+        <p14:creationId xmlns:p14="http://schemas.microsoft.com/office/powerpoint/2010/main" val="2107134111"/>
       </p:ext>
     </p:extLst>
   </p:cSld>
@@ -6342,7 +8156,7 @@
           <a:p>
             <a:r>
               <a:rPr lang="en-US" dirty="0"/>
-              <a:t>Integral Images 1/3</a:t>
+              <a:t>Optimization 2: Integral Images 1/3</a:t>
             </a:r>
           </a:p>
         </p:txBody>
@@ -9815,7 +11629,7 @@
           <a:p>
             <a:r>
               <a:rPr lang="en-US" dirty="0"/>
-              <a:t>Integral Images 2/3</a:t>
+              <a:t>Optimization 2: Integral Images 2/3</a:t>
             </a:r>
           </a:p>
         </p:txBody>
@@ -11897,7 +13711,7 @@
           <a:p>
             <a:r>
               <a:rPr lang="en-US" dirty="0"/>
-              <a:t>Integral Images 3/3</a:t>
+              <a:t>Optimization 2: Integral Images 3/3</a:t>
             </a:r>
           </a:p>
         </p:txBody>
@@ -14095,7 +15909,7 @@
           <a:p>
             <a:r>
               <a:rPr lang="en-US" dirty="0"/>
-              <a:t>Optimization 2</a:t>
+              <a:t>Optimization 2: Runtime and performance</a:t>
             </a:r>
           </a:p>
         </p:txBody>
@@ -14119,12 +15933,6 @@
         <p:txBody>
           <a:bodyPr/>
           <a:lstStyle/>
-          <a:p>
-            <a:r>
-              <a:rPr lang="en-US" sz="1600" dirty="0"/>
-              <a:t>What have we done?</a:t>
-            </a:r>
-          </a:p>
           <a:p>
             <a:r>
               <a:rPr lang="en-US" sz="1600" dirty="0"/>

--- a/powerpoint/presentation-template.pptx
+++ b/powerpoint/presentation-template.pptx
@@ -457,118 +457,6 @@
           <inkml:channelProperty channel="Y" name="resolution" value="1000" units="1/cm"/>
         </inkml:channelProperties>
       </inkml:inkSource>
-      <inkml:timestamp xml:id="ts0" timeString="2023-05-24T16:31:17.368"/>
-    </inkml:context>
-    <inkml:brush xml:id="br0">
-      <inkml:brushProperty name="width" value="0.4" units="cm"/>
-      <inkml:brushProperty name="height" value="0.8" units="cm"/>
-      <inkml:brushProperty name="color" value="#FFFC00"/>
-      <inkml:brushProperty name="tip" value="rectangle"/>
-      <inkml:brushProperty name="rasterOp" value="maskPen"/>
-    </inkml:brush>
-  </inkml:definitions>
-  <inkml:trace contextRef="#ctx0" brushRef="#br0">3840 3481,'-5'-68,"-1"-1,-2 14,0-3,1-3,3 24,1-4,2 20,0-7,-2-1,2 1,0-2,0-3,1-1,0-2,0 2,0 0,0 2,0 1,0 1,0 2,0 3,0 2,0 0,0-5,1-7,1-7,4-6,0 2,0 4,-3 11,-3 9,0 7,0-8,0 4,0-24,0 1,0-11,2-6,1 5,3-1,2 10,-2 11,-2 8,-2 8,-1-2,-1 0,0-2,0 0,0 2,0 0,0-1,0-3,-1-3,-1-2,-1-3,0 0,-1 1,0 1,0 2,-1 3,1 3,-1 2,1 1,-2-1,3-13,-1 14,5-15,2 15,0-5,0 0,-1 3,0 0,-1-2,1-2,-1-2,2-1,1-2,1 0,-1 0,-1 4,-1 3,0 3,0 1,-1-8,0 4,-1-7,0 8,0 0,0-3,0 7,0-4,0-1,0 5,0-5,-2-2,0 6,0-6,0 3,1 6,-2-14,2 12,0-8,1 8,-1-2,-1-6,0 7,0-3,1-2,1 8,0-13,-1 11,0 1,0-10,1 12,0-10,0 6,1 3,2-9,-1 6,-15 1,-9 9,-3 5,-3 5,11-1,-5 0,-4 0,-5 0,-3 0,0 0,0 0,4 0,1 0,5 0,1 0,2 0,1 0,0 0,-1-1,-2-1,-4-1,-4 0,-3 1,-4 1,2 0,1 1,4 0,4 0,3 0,3 0,1 0,0 0,-1 0,0-2,-1 0,-2-1,-2-1,-5 0,-5 1,-4 1,-4 2,-2 0,2 1,3 1,2 0,2 1,3-2,-1-1,1 0,0 0,1 0,2 0,3 0,3 0,5 1,2 2,-5 4,7 0,-6 1,0-1,4-3,-4 2,-3 0,6-2,-8 1,7-2,1-2,-9 0,9 0,-5 0,4 1,3 1,-12 1,11 0,-5 0,1 0,7-2,-16-16,13 6,-12-12,18 14,-11-2,4 3,-4-1,0 0,4 2,-3 1,-2 0,-3 2,-1 0,1 1,0 0,2 0,-1 1,-1 1,-2 0,-2 0,1-1,0-1,0 0,-1 0,1 0,0 0,1 0,1 0,1 0,1 0,-1 0,-2 0,-1 0,1 0,6 1,5 3,-14-3,10 3,-15-4,6 0,1 1,-5 0,3 0,4 0,3-1,4 0,0 0,1 0,0 0,-1 0,-5 0,5 0,-5 0,6 0,1 0,-7 0,8 0,-7 0,0 0,5 0,-4 0,4 0,1 0,-2 0,-2 0,4 0,-2-1,0 0,3-2,-5 3,12 23,2 0,9 7,2-8,0-10,1 19,-1-5,1 9,-1-12,0-2,1 4,-1-8,0 12,0-12,-1 5,0 1,-1-5,0 6,0 5,0-5,0 10,0-8,0-2,0-2,0-1,0 0,1-1,0 0,0 7,0-7,-1 4,1-3,0-5,0 11,1-11,-1 7,0 5,-1-5,0 9,0-10,0-1,0 0,2 4,-2-3,2 5,-2-5,0 3,0 3,0 0,0-1,0-3,0-4,0 0,1 0,0 1,0 1,1 3,-1-2,1 2,0-2,0 0,1 0,-1 0,0 2,-1 1,0 1,0 1,1 1,-1-1,-1 1,0 1,0-1,0-2,0-3,0-4,0 0,-4 2,0 2,-4 6,4-14,-2 6,5-4,-2 6,3-1,-3 1,2-5,0 4,-1-2,1-2,0 6,1-7,0 5,0 3,0-4,0 8,0-10,0-1,0 5,0-3,0 0,0 3,0-9,0 14,0-13,0 11,0-6,0 2,0 2,0-3,0 2,0 1,0-1,0-4,0 2,0-2,0 2,0 2,0-3,0 2,0 0,0 1,0-1,0-3,0 1,1-3,-1 4,2 0,-2-3,0 4,0-4,0 5,0-1,0-5,0 5,0-1,0 1,0 1,0-3,0-2,0 5,0-2,0-3,1 5,0-7,0 7,-1-4,0-1,0 2,0-2,28-11,-11 0,14-13,-9 5,-12 0,17 0,-7 0,-1 0,5-2,-9 0,12-4,-6 2,-1-1,2 2,-3 2,6-2,-6 3,7-3,-10 2,6-1,2 0,-7 1,11 0,-10 1,1 0,8 0,-12 0,10 0,-3 0,-5 0,13 0,-13 1,4 0,5 2,-10-1,14 2,-13-1,3 2,4-1,-4 0,0 0,6-1,-13-2,16 0,-7-1,0 0,1 0,-3 0,-1 0,4-1,-3 0,3 0,1 0,6 1,-2 0,3 0,-2 0,-3 1,0 0,-6 1,1 1,-2-1,5 0,-4-1,0 0,5 0,-8 0,13-1,-13 0,7 0,3 0,-6 0,4 0,-7 0,5 0,0 0,2 0,-3 0,-4 0,7 0,-6 0,4 1,-5 0,4 0,-2 0,6 0,-8 1,5 2,-3-2,4 0,3-2,-1 0,1 0,-3 0,-2 0,0 0,-2 0,4 2,-7-1,8 2,-8-2,5-1,3 0,-9 0,10 0,-8 0,3 0,2 0,-4 0,1-2,4 1,-4-1,1 0,2-1,-4 0,2 1,3 0,-3 0,0 2,7-4,-10 2,7-2,-7 2,6-1,-7-1,10 2,-6 0,11 1,-13 1,7 0,-9 0,3 0,7 0,-9 0,8-1,-7 0,2-2,3 1,-4-1,0 1,2 0,-2 1,1 0,7 0,-11 1,5 0,0 0,-6 0,13 0,-11 0,3 0,2 0,-5 0,6 0,-4-2,1 0,0-1,-1 1,0-4,-4-20,-1-10,-4-22,0 0,-2 5,-3 9,-2 12,-4 8,0 2,-2-4,-5-8,-3-8,-3-3,0 1,-1 5,-2 7,-2 4,0 4,-3 2,-1 2,-3 0,-2 0,-4-1,-3 0,-9 1,-13 2,-13 5,-14 9,-14 14,41-1,-3 1,-8 2,-4-1,-9-1,-3-2,-6-3,-3-2,-2-1,1-2,4-1,3 0,9 0,4 0,11 0,4 0,-33 0,22 1,22 0,18 0,14 0,-39 0,23 0,-21 1,-7 1,7 0,-2 1,-14 1,-3 0,-1-1,2 1,11-2,4 0,-38-1,18-1,18 0,13 0,26 1,67 9,35 3,-14-3,8 0,9 2,9 0,-2 0,-14-3,-2-2,0 1,1-2,1 1,-2-1,-3 0,0-1,-2 1,-3-1,-2 1,-2-1,21 3,-5 1,-15 0,-3 0,-12 0,-3 1,36 8,-13 0,-13-3,-13-4,-11-4,-11-4,-9-2,-55-18,-30-6,13 11,-7 1,-10-5,-10-2,1 4,7 7,0 3,0 2,-1-1,-1 2,0 0,2 1,0 0,1 1,5 0,1 1,1 0,-21 3,3 0,12 1,4 0,10 0,4-1,-39 0,17-3,14-2,14 0,12 0,12 0,8 0,-10 2,4-1,-12 0,7-1,2 0,2 0,4-1,3-6,3-8,4-12,3-10,4-10,2-9,2-10,1-32,4 28,3-6,1 10,2-5,2-1,2-6,0-2,2 1,0 4,0 0,0 3,4-18,-3 8,-6 27,-2 7,1-8,-5 35,-5 11,-5-11,-14-33,3 10,-16-34,7 25,-6-12,2 7,5 15,4 14,7 10,3 7,-5-9,8 4,-5-11,8 6,3 0,0 1,1 1,20 3,-2 3,23 1,-6 4,4 1,1 2,-2 3,4 2,7 1,11 0,10 1,6 3,6 3,3 0,6 0,-43-4,2-1,3 0,1-1,1 0,1-1,1 0,-1 0,0 0,-1 0,-1-1,-1 0,45-2,-10-2,-8 0,-7 0,1 1,-2 2,-5 1,-4 1,-5 0,-3 0,2 0,0 0,0 0,-5 0,-13 0,-9 0,-13-2,3 2,3-1,19 1,-11 0,18 0,-10 0,15 0,4 0,-3 0,-7 0,-8 0,-11 0,-7 2,-5-1,5 3,-3-1,1 1,2 1,-8 3,5 6,-6 7,-3 1,-3 7,-2 1,-2 5,1 3,-1 2,0 1,0 1,-1 3,-1 7,0 9,-1 4,-1 7,0 1,0-1,0 0,-2-1,-5-4,-2-2,-3-4,-1-5,2-5,-1-2,0 1,1-1,2-5,3-9,2-12,2-8,-22-6,-4-8,-30-4,-5-6,-15-1,-15-1,40 5,-2 1,-9-3,-3 1,-3-2,-2 0,-1 0,0 1,1 0,1 1,5 1,0 1,4 2,-1 0,2 1,1 1,0 0,1 1,3 1,1 0,1 2,1 1,2 0,0 1,-48 4,0-3,3-4,7-3,13-1,13 0,13-2,11 1,4-3,5-1,1-3,2-2,1-1,1-3,3-1,3 1,5 0,4-4,5-9,3-16,1-22,3-22,3-10,4 1,1 13,-2 23,-2 21,-2 18,2 11,18-3,8 0,24-8,7 3,14 2,7 5,3 6,0 3,0 5,1 4,-3 3,-5 3,-5 0,-2 2,-2-1,0 1,-6-2,-3-5,1-2,-2-4,-2-3,-5-3,-3-2,-1 0,0 3,0 2,-1 2,-3 1,-3 0,-2 0,0 1,0 2,0 3,-3 2,-3 1,-7-1,-4-2,-2 0,-1-1,-2 1,7 1,-6-2,6 0,-8 0,-1 0,9 7,-8-1,5 3,-9-3,3 4,-3 2,1 0,-4 3,-7-1,0 2,-18 4,-10-5,-22 2,-14 0,-14 4,-12 3,39-13,-2-2,-2 1,-2-2,-5 0,-2-2,-5 0,-3-3,-3 0,-2-3,0-1,-1-1,4-2,2 0,5-3,1-2,4 0,1-2,7-1,1-1,-41-10,11 1,13 3,5 3,8 0,3 0,2 0,1 1,4 0,6 3,11 1,8 4,-3 3,75-10,-31 5,63-10,-49 9,-1 1,-3 2,-3 1,2 1,-4 0,-5 0,-2 0,5 0,-6 0,4 0,0-2,-7 2,7-2,-5 2,1 4,0 5,-2 6,0 4,2 3,2 3,6 8,6 6,7 4,8 7,6 3,3 0,1-1,-1-5,-4-4,-5-4,-6-3,-9-7,-7-2,-3 1,-2 1,-2 5,-4-1,-6-6,-3-9,16 14,13 11,-5-7,4 5,0 1,0 0,1 2,-2 0,25 31,-13-20,-9-15,-10-15,-4-7,0-3,-2 1,-1 0,-3-1,-3-1,3 2,-2-2,1 6,-5-3,0 4,-1 0,1 0,0 2,0 0,0 0,-1-2,0-2,0-3,1 1,-1 0,1 1,0-1,2 3,-4-6,2 12,-4-11,3 9,2-7,-2-1,4 1,-3 0,2-2,3 2,-1-4,3 0,0-5,4-4,-3-3,3-1,-3 0,1 0,-71-21,32 14,-58-17,55 21,0 0,1 2,-1 0,-3 0,2 0,1 1,-1 0,4-2,-5 2,6 8,0-2,-2 6,3-7,-4-1,0-1,2 1,-2-2,0-1,2 1,-2-2</inkml:trace>
-</inkml:ink>
-</file>
-
-<file path=ppt/ink/ink11.xml><?xml version="1.0" encoding="utf-8"?>
-<inkml:ink xmlns:inkml="http://www.w3.org/2003/InkML">
-  <inkml:definitions>
-    <inkml:context xml:id="ctx0">
-      <inkml:inkSource xml:id="inkSrc0">
-        <inkml:traceFormat>
-          <inkml:channel name="X" type="integer" min="-2.14748E9" max="2.14748E9" units="cm"/>
-          <inkml:channel name="Y" type="integer" min="-2.14748E9" max="2.14748E9" units="cm"/>
-        </inkml:traceFormat>
-        <inkml:channelProperties>
-          <inkml:channelProperty channel="X" name="resolution" value="1000" units="1/cm"/>
-          <inkml:channelProperty channel="Y" name="resolution" value="1000" units="1/cm"/>
-        </inkml:channelProperties>
-      </inkml:inkSource>
-      <inkml:timestamp xml:id="ts0" timeString="2023-05-24T16:29:19.931"/>
-    </inkml:context>
-    <inkml:brush xml:id="br0">
-      <inkml:brushProperty name="width" value="0.4" units="cm"/>
-      <inkml:brushProperty name="height" value="0.8" units="cm"/>
-      <inkml:brushProperty name="color" value="#FFFC00"/>
-      <inkml:brushProperty name="tip" value="rectangle"/>
-      <inkml:brushProperty name="rasterOp" value="maskPen"/>
-    </inkml:brush>
-  </inkml:definitions>
-  <inkml:trace contextRef="#ctx0" brushRef="#br0">15 57,'0'53,"0"-9,0-37,0 9,0 7,0-3,0 5,0-9,0 4,0 5,-1-7,0 4,0-4,1 4,0 2,-1-4,0 0,0 0,0 0,1 4,0-2,0 0,-2-2,2 1,-2 3,2-3,0 1,-2-1,2-1,-2 1,2-1,0 0,0 1,0 1,0-3,0 2,0-1,26-10,-12-1,15-11,-9 2,-8 0,15 0,-9 2,2-3,3 0,-6-1,7 0,-4 2,-2 0,3 9,-5 0,5 1,-2-3,2-7,0 0,-2 0,1-2,3-1,-4-1,4-1,-4 1,2 0,2 1,-4 0,5-1,-8 1,9-2,-6 4,3-1,-2 2,1 0,1 1,0 1,-4 1,4 1,-2 0,-1 0,4 2,-7-1,5 0,2-3,-6-1,8-1,-8 0,4 0,3 0,-7 0,6 0,-3 0,-1 0,4 0,-4 0,2 0,0 0,-1 0,-1 0,2-1,-1 0,-4-32,-5 12,-6-25,-3 23,-1 7,-1-5,1-3,0 1,1-1,-2 5,0-5,0-1,0 6,2-3,-1 4,1-3,-1-5,0 8,0-1,-1-6,0 7,0-6,0 3,0 4,0-7,0 6,0-2,-1-2,0 3,0-3,-1 2,0 1,-2-2,-1 2,1-1,-1 0,1 0,0 1,-1-3,-1 4,1-3,-26 23,18-4,-16 14,7-5,13-6,-25 2,20-3,-10 0,0 0,8 0,-14 0,15 0,-9 0,3-2,0 1,-7 0,9 0,-6 0,-2-1,6 0,-7 0,7 1,-2 1,0 0,-1 0,-2-2,1 0,1-1,1-1,2 0,2 1,-5-1,4 2,-5-1,7 2,-5 0,3 1,-1 0,-4 0,5 0,-9 3,3 2,-1 2,4 0,2-1,4-2,0 9,12 30,5 11,15 28,8-5,4-8,6-11,10-14,15-14,15-9,11-5,-1-4,-11-1,-15-3,-14-4,-7-2,-4-2,1 0,-2 0,0 0,-1-1,-1-1,0-2,-3 0,-5 0,-4-2,-78-1,35-1,-58 1,57 4,4 1,4 2,-2 0,-1 0,0 0,0 0,4 0,0 0</inkml:trace>
-</inkml:ink>
-</file>
-
-<file path=ppt/ink/ink12.xml><?xml version="1.0" encoding="utf-8"?>
-<inkml:ink xmlns:inkml="http://www.w3.org/2003/InkML">
-  <inkml:definitions>
-    <inkml:context xml:id="ctx0">
-      <inkml:inkSource xml:id="inkSrc0">
-        <inkml:traceFormat>
-          <inkml:channel name="X" type="integer" min="-2.14748E9" max="2.14748E9" units="cm"/>
-          <inkml:channel name="Y" type="integer" min="-2.14748E9" max="2.14748E9" units="cm"/>
-        </inkml:traceFormat>
-        <inkml:channelProperties>
-          <inkml:channelProperty channel="X" name="resolution" value="1000" units="1/cm"/>
-          <inkml:channelProperty channel="Y" name="resolution" value="1000" units="1/cm"/>
-        </inkml:channelProperties>
-      </inkml:inkSource>
-      <inkml:timestamp xml:id="ts0" timeString="2023-05-24T13:47:40.285"/>
-    </inkml:context>
-    <inkml:brush xml:id="br0">
-      <inkml:brushProperty name="width" value="0.2" units="cm"/>
-      <inkml:brushProperty name="height" value="0.4" units="cm"/>
-      <inkml:brushProperty name="color" value="#FFFF00"/>
-      <inkml:brushProperty name="tip" value="rectangle"/>
-      <inkml:brushProperty name="rasterOp" value="maskPen"/>
-    </inkml:brush>
-  </inkml:definitions>
-  <inkml:trace contextRef="#ctx0" brushRef="#br0">4 0,'28'0,"-4"0,-17 0,0 0,7 0,-6 0,7 0,-7 0,2 0,1 0,-2 0,3 0,-3 0,2 0,0 0,-1 0,2 0,-2 0,0 0,1 0,-1 0,0 1,2 0,-4 1,4 0,-3-1,2-1,0 0,-1 0,1 1,0 0,-2 1,1-1,0 0,1-3,-2-2,-7 22,1-14,-7 18,4-15,0-3,0 13,0-10,0 5,0 0,0-6,0 9,0-5,0-1,0 6,0-8,0 7,0-6,0 2,1 2,0-5,0 6,1-3,-2-1,3 4,-2-4,1 2,-1-1,0 0,0 2,0-3,0 5,0-6,-1 3,0 0,0-1,0 3,0-4,0 2,0 0,0 1,0-1,0 1,0-3,0 5,0-6,0 3,0 0,0-3,0 8,0-7,-1 4,-1-3,0 0,1 1,-1 2,0-5,0 3,0 0,1-3,-1 7,1-5,0 3,0-3,0 1,0-1,0 1,0 0,1 0,-1 1,0-1,0 2,1 0,-1 0,1 1,0-1,0 0,0 0,-1 0,0 1,0-2,0-1,1 0,0-1,0 1,0 0,0 0,0-1,0 1,0-1,0 2,0-3,0 1,0 3,0-3,0 2,0 0,0-4,0 6,0-5,0 3,0-2,0-1,0 3,0-3,1 3,0-3,2 2,2-2,-1 0,2 0,-4 0,-18-3,10-1,-13-5,12 0,1-1,-8-2,5 2,-3-1,2 2,1 0,-3 0,1 0,0 0,0 0,2 0,-3 0,0 0,3 0,-5 0,7 2,-6-2,3 2,0-1,-1 0,1 0,-3 1,5-2,-5 2,3-2,0 1,-3 0,4 0,-1-1,0 0,0 0,-1 0,1 0,4-14,1 7,5-12,0 10,0-1,0 0,0 0,0-2,1 2,0-1,0 2,-1-2,0-1,0 1,0-3,0 6,0-5,0 5,0-2,0-3,0 4,0-3,0 2,0-1,0 1,0-1,0 1,0 0,0-1,0 1,0-1,0 1,0-1,0-1,0 3,0-5,0 6,0-5,0 5,0-5,0 2,0 2,0-2,0 1,0-1,0 1,0-4,0 6,0-5,0 4,0-3,0 0,0 1,0 1,0-2,0 3,0-5,0 7,0-5,0 0,0 2,0-4,0 4,0 1,0-6,0 3,-2-3,1 5,0 0,0-2,0 1,0-1,1 3,0-4,0 4,0-3,0 0,0 3,0-4,0 3,0 0,0-1,0 1,0-2,1 1,1 0,1 1,6 1,-1 5,5-1,-1 4,3-1,3-1,1 0,-1 0,-3 1,-3 0,-3 2,3 0,-3 1,3 3,-3 3,0 5,-2 5,0 4,-1 1,-1 2,0 1,-1-2,-1 0,0-2,-1-1,0 0,0 3,1 2,0 2,1 2,-1-1,-1 2,-1 0,-1-2,0-2,0-4,0 0,0-1,0 1,0-1,0 0,0-1,-1-1,0 0,-2 0,-1 0,0-2,-2-2,0-2,1-4,-5-4,-4-4,-1-5,-3-4,4-7,0-5,3-4,2-2,4 0,2 2,2 3,1 3,0 0,0 1,0-2,0 0,0 0,0-1,0-1,1 0,1 0,2 3,0 3,-1 4,0 1,0 0,-1 1,-1-3,-1 1,0-2</inkml:trace>
-</inkml:ink>
-</file>
-
-<file path=ppt/ink/ink13.xml><?xml version="1.0" encoding="utf-8"?>
-<inkml:ink xmlns:inkml="http://www.w3.org/2003/InkML">
-  <inkml:definitions>
-    <inkml:context xml:id="ctx0">
-      <inkml:inkSource xml:id="inkSrc0">
-        <inkml:traceFormat>
-          <inkml:channel name="X" type="integer" min="-2.14748E9" max="2.14748E9" units="cm"/>
-          <inkml:channel name="Y" type="integer" min="-2.14748E9" max="2.14748E9" units="cm"/>
-        </inkml:traceFormat>
-        <inkml:channelProperties>
-          <inkml:channelProperty channel="X" name="resolution" value="1000" units="1/cm"/>
-          <inkml:channelProperty channel="Y" name="resolution" value="1000" units="1/cm"/>
-        </inkml:channelProperties>
-      </inkml:inkSource>
-      <inkml:timestamp xml:id="ts0" timeString="2023-05-24T15:39:56.292"/>
-    </inkml:context>
-    <inkml:brush xml:id="br0">
-      <inkml:brushProperty name="width" value="0.2" units="cm"/>
-      <inkml:brushProperty name="height" value="0.4" units="cm"/>
-      <inkml:brushProperty name="color" value="#00B050"/>
-      <inkml:brushProperty name="tip" value="rectangle"/>
-      <inkml:brushProperty name="rasterOp" value="maskPen"/>
-    </inkml:brush>
-  </inkml:definitions>
-  <inkml:trace contextRef="#ctx0" brushRef="#br0">1 1258,'25'-2,"-5"0,-17 1,6-1,2 1,0 0,1 0,-4 1,4 0,-2 0,2 0,-3 0,2 0,-1 0,1 0,0 0,-2 0,2 0,-2 0,2 0,-1 0,0 0,0 0,1 0,-1 1,0 0,0 0,-1 4,-27-31,13 0,-21-51,24 34,1-24,4 31,1-7,3 7,1 11,-1 10,-3 5,0 1,-1-2,-1 1,0-1,-2 38,1-24,-1 30,4-67,-3 25,3-27,-4 34,0 0,0-15,0 9,-1-12,0 13,1 0,-1-7,1 4,-1-3,0 2,0 3,1-5,-1 4,1-3,0 1,0 0,0-2,-1 5,0-3,-1 2,0-1,1-1,0 1,0-1,1 1,0-1,0 0,0 2,0-2,0 2,0-2,0 1,0 0,0 0,0-1,0 0,0 1,1-2,1 1,-1 1,0-1,-1 1,0-3,0 0,0 1,0 3,0-2,0 0,0-1,0 1,0 2,0-3,0 2,0-1,1-1,0 3,-1-3,0-1,0 4,0-4,0 2,0 1,0-2,0 2,0 1,0-4,1 3,0 1,1-3,-1 4,1-3,-1 0,0 2,-14 2,7 3,-10 3,7 2,2-1,-6 2,3 0,0 0,-2-2,5 0,-6 0,2 0,3 0,-7 0,7 0,-3 0,-1 0,5 0,-7 0,5 0,-1 0,-2 0,1 0,1 0,0 0,1 0,-2-1,0-1,8 17,-1-9,6 11,0-7,-2-6,3 11,-2-7,0 4,-1 0,0-5,0 6,0-2,0-1,0 3,0-5,0 3,0-1,0-1,0 3,0-2,0 2,0 0,0-3,-1 4,0-5,1 3,-1 2,0-3,0 3,0-4,0 3,1-3,-2 5,2-7,-1 7,0-4,1 1,-1 1,-1-3,2 2,-1 1,1-4,0 4,0-1,0 0,0 1,0-1,0-4,0 7,0-4,0 1,0 0,0 0,0-1,0 4,0-6,0 6,0-5,0 1,0 3,0-4,1 4,-1-2,2-2,-1 3,1-1,-1-1,-1 1,1-2,0 1,1 1,-1 0,0 0,0-1,0 0,-1 1,0-2,0 5,0-4,0 3,0-3,0 0,0 2,0-3,0 2,0 0,0-2,0 3,2 2,-1-5,1 4,1-4,7-4,-1-2,6-7,-4-1,-1-4,-2 1,1-4,0-4,-1-4,0-2,0 1,-2 2,-1-2,-1-6,0-9,-1-7,0-3,-1 5,0 7,-1 5,0 2,-1-3,0-3,0-4,0 3,0 4,0 9,-2 7,0 4,-2 1,0 0,0-6,2 2,0-8,2 2,0-2,0 2,0 5,0 5,4-2,-1 3,5-4,0 1,0-2,1 0,0 1,-2 2,-1 1,0 1,2 30,-4-13,3 28,-4-15,0 6,2 4,0-2,-1-3,0-6,-1-5,-1 0,0 0,-1 0,-1 0,0-4,0-3,0-4</inkml:trace>
-</inkml:ink>
-</file>
-
-<file path=ppt/ink/ink14.xml><?xml version="1.0" encoding="utf-8"?>
-<inkml:ink xmlns:inkml="http://www.w3.org/2003/InkML">
-  <inkml:definitions>
-    <inkml:context xml:id="ctx0">
-      <inkml:inkSource xml:id="inkSrc0">
-        <inkml:traceFormat>
-          <inkml:channel name="X" type="integer" min="-2.14748E9" max="2.14748E9" units="cm"/>
-          <inkml:channel name="Y" type="integer" min="-2.14748E9" max="2.14748E9" units="cm"/>
-        </inkml:traceFormat>
-        <inkml:channelProperties>
-          <inkml:channelProperty channel="X" name="resolution" value="1000" units="1/cm"/>
-          <inkml:channelProperty channel="Y" name="resolution" value="1000" units="1/cm"/>
-        </inkml:channelProperties>
-      </inkml:inkSource>
       <inkml:timestamp xml:id="ts0" timeString="2023-05-24T15:40:36.216"/>
     </inkml:context>
     <inkml:brush xml:id="br0">
@@ -583,7 +471,7 @@
 </inkml:ink>
 </file>
 
-<file path=ppt/ink/ink15.xml><?xml version="1.0" encoding="utf-8"?>
+<file path=ppt/ink/ink11.xml><?xml version="1.0" encoding="utf-8"?>
 <inkml:ink xmlns:inkml="http://www.w3.org/2003/InkML">
   <inkml:definitions>
     <inkml:context xml:id="ctx0">
@@ -611,7 +499,7 @@
 </inkml:ink>
 </file>
 
-<file path=ppt/ink/ink16.xml><?xml version="1.0" encoding="utf-8"?>
+<file path=ppt/ink/ink12.xml><?xml version="1.0" encoding="utf-8"?>
 <inkml:ink xmlns:inkml="http://www.w3.org/2003/InkML">
   <inkml:definitions>
     <inkml:context xml:id="ctx0">
@@ -639,7 +527,7 @@
 </inkml:ink>
 </file>
 
-<file path=ppt/ink/ink17.xml><?xml version="1.0" encoding="utf-8"?>
+<file path=ppt/ink/ink13.xml><?xml version="1.0" encoding="utf-8"?>
 <inkml:ink xmlns:inkml="http://www.w3.org/2003/InkML">
   <inkml:definitions>
     <inkml:context xml:id="ctx0">
@@ -667,7 +555,7 @@
 </inkml:ink>
 </file>
 
-<file path=ppt/ink/ink18.xml><?xml version="1.0" encoding="utf-8"?>
+<file path=ppt/ink/ink14.xml><?xml version="1.0" encoding="utf-8"?>
 <inkml:ink xmlns:inkml="http://www.w3.org/2003/InkML">
   <inkml:definitions>
     <inkml:context xml:id="ctx0">
@@ -695,7 +583,7 @@
 </inkml:ink>
 </file>
 
-<file path=ppt/ink/ink19.xml><?xml version="1.0" encoding="utf-8"?>
+<file path=ppt/ink/ink15.xml><?xml version="1.0" encoding="utf-8"?>
 <inkml:ink xmlns:inkml="http://www.w3.org/2003/InkML">
   <inkml:definitions>
     <inkml:context xml:id="ctx0">
@@ -720,6 +608,117 @@
     </inkml:brush>
   </inkml:definitions>
   <inkml:trace contextRef="#ctx0" brushRef="#br0">0 0,'33'0,"-5"0,-18 0,-1 0,2 0,-1 0,2 0,-2 0,1 0,0 0,-1 0,1 0,0 0,-1 0,1 0,0 0,0 0,-1 0,2 0,-3 0,3 0,-2 0,-1 0,2 0,-1 0,0 0,-4 12,-1-6,-5 9,-17-12,12-1,-15-3,13 0,1-1,-9 1,7 0,-4 0,1 1,4 0,-8 0,6 0,-2 0,0 0,2 0,-3 0,2 0,0 0,0 1,-2 0,1 1,0 0,1 0,0 0,0 2,1-1,-2 1,2-2,-1 1,36-1,-16 0,29-2,-30 0,2 0,-1 0,-1 0,5 0,-6 0,4 0,-3 0,3 0,-1 0,-1 0,1 0,0 0,-2 0,4 0,-5 0,4 0,-2 0,1 0,1 0</inkml:trace>
+</inkml:ink>
+</file>
+
+<file path=ppt/ink/ink16.xml><?xml version="1.0" encoding="utf-8"?>
+<inkml:ink xmlns:inkml="http://www.w3.org/2003/InkML">
+  <inkml:definitions>
+    <inkml:context xml:id="ctx0">
+      <inkml:inkSource xml:id="inkSrc0">
+        <inkml:traceFormat>
+          <inkml:channel name="X" type="integer" min="-2.14748E9" max="2.14748E9" units="cm"/>
+          <inkml:channel name="Y" type="integer" min="-2.14748E9" max="2.14748E9" units="cm"/>
+        </inkml:traceFormat>
+        <inkml:channelProperties>
+          <inkml:channelProperty channel="X" name="resolution" value="1000" units="1/cm"/>
+          <inkml:channelProperty channel="Y" name="resolution" value="1000" units="1/cm"/>
+        </inkml:channelProperties>
+      </inkml:inkSource>
+      <inkml:timestamp xml:id="ts0" timeString="2023-05-24T15:41:52.229"/>
+    </inkml:context>
+    <inkml:brush xml:id="br0">
+      <inkml:brushProperty name="width" value="0.2" units="cm"/>
+      <inkml:brushProperty name="height" value="0.4" units="cm"/>
+      <inkml:brushProperty name="color" value="#FFC000"/>
+      <inkml:brushProperty name="tip" value="rectangle"/>
+      <inkml:brushProperty name="rasterOp" value="maskPen"/>
+    </inkml:brush>
+  </inkml:definitions>
+  <inkml:trace contextRef="#ctx0" brushRef="#br0">0 0,'33'0,"-2"0,-13 0,0 0,2 0,-8 0,3 0,-7 0,3 0,3 0,-5 0,4 0,-3 0,0 1,3-1,-4 2,2-1,-1 0,-1 0,3 0,-3 0,2 0,-1 1,0-2,-4 12,-5-4,-1 6,-6-4,0-6,-6 1,1-4,0-1,0 0,2 0,-3 0,2 0,0 0,-2 0,0 0,1 0,1 0,-1 0,2 0,-3 1,3-1,-2 2,2 0,-2 1,1-1,-3 1,2-2,-2 1,2-2,2 0,-4 0,4 0,-1 0,40 0,-20 0,31 0,-31 0,0 0,4 0,-3 0,4 0,-6 0,2 0,-2 0,3 0,-1 0,0 0,2 0,-3 0,2 0,-2 0,-1 0,2 0,-2 0,2 0,-1 0</inkml:trace>
+</inkml:ink>
+</file>
+
+<file path=ppt/ink/ink17.xml><?xml version="1.0" encoding="utf-8"?>
+<inkml:ink xmlns:inkml="http://www.w3.org/2003/InkML">
+  <inkml:definitions>
+    <inkml:context xml:id="ctx0">
+      <inkml:inkSource xml:id="inkSrc0">
+        <inkml:traceFormat>
+          <inkml:channel name="X" type="integer" min="-2.14748E9" max="2.14748E9" units="cm"/>
+          <inkml:channel name="Y" type="integer" min="-2.14748E9" max="2.14748E9" units="cm"/>
+        </inkml:traceFormat>
+        <inkml:channelProperties>
+          <inkml:channelProperty channel="X" name="resolution" value="1000" units="1/cm"/>
+          <inkml:channelProperty channel="Y" name="resolution" value="1000" units="1/cm"/>
+        </inkml:channelProperties>
+      </inkml:inkSource>
+      <inkml:timestamp xml:id="ts0" timeString="2023-05-24T15:41:59.630"/>
+    </inkml:context>
+    <inkml:brush xml:id="br0">
+      <inkml:brushProperty name="width" value="0.2" units="cm"/>
+      <inkml:brushProperty name="height" value="0.4" units="cm"/>
+      <inkml:brushProperty name="color" value="#FFC000"/>
+      <inkml:brushProperty name="tip" value="rectangle"/>
+      <inkml:brushProperty name="rasterOp" value="maskPen"/>
+    </inkml:brush>
+  </inkml:definitions>
+  <inkml:trace contextRef="#ctx0" brushRef="#br0">0 3,'43'0,"-4"0,-10 0,-7 0,-3 0,-6 0,-4 0,4 0,-5 0,5 0,-3 0,-1 0,3 0,-3 0,2-1,1 0,-3 1,4 0,-4 0,0 1,2 4,-7 3,1 2,-5 2,0-3,-5 0,-5-4,-1-1,-3-4,7 0,-4 0,0 0,1 0,-2 0,1 1,0 1,0 0,-1 1,4-1,-4 1,1-1,2 0,-5 2,6-3,-3 1,-1-1,3-1,-5 0,6 0,-3 0,1 0,1 0,-3-1,40-3,-18 1,33-2,-26 4,-1 0,-1 1,-2 0,-2 0,-2 0,3 0,-3 0,3 0,-1 0,0 0,-2 0,2 0,-2 0,3 0,-3 0,2 0,-37-2,17 1,-29-1,29 2,-2 0,1 0,1 0,-6 0,7-1,-4-1,2 0,1 1,-4-1,5 1,-6-1,5 1,-2-1,-1 1,2 0,-1 0,-1 1,5 0,-6 0,3 0,1 0,0 0</inkml:trace>
+</inkml:ink>
+</file>
+
+<file path=ppt/ink/ink18.xml><?xml version="1.0" encoding="utf-8"?>
+<inkml:ink xmlns:inkml="http://www.w3.org/2003/InkML">
+  <inkml:definitions>
+    <inkml:context xml:id="ctx0">
+      <inkml:inkSource xml:id="inkSrc0">
+        <inkml:traceFormat>
+          <inkml:channel name="X" type="integer" min="-2.14748E9" max="2.14748E9" units="cm"/>
+          <inkml:channel name="Y" type="integer" min="-2.14748E9" max="2.14748E9" units="cm"/>
+        </inkml:traceFormat>
+        <inkml:channelProperties>
+          <inkml:channelProperty channel="X" name="resolution" value="1000" units="1/cm"/>
+          <inkml:channelProperty channel="Y" name="resolution" value="1000" units="1/cm"/>
+        </inkml:channelProperties>
+      </inkml:inkSource>
+      <inkml:timestamp xml:id="ts0" timeString="2023-05-24T15:42:06.549"/>
+    </inkml:context>
+    <inkml:brush xml:id="br0">
+      <inkml:brushProperty name="width" value="0.2" units="cm"/>
+      <inkml:brushProperty name="height" value="0.4" units="cm"/>
+      <inkml:brushProperty name="color" value="#FFC000"/>
+      <inkml:brushProperty name="tip" value="rectangle"/>
+      <inkml:brushProperty name="rasterOp" value="maskPen"/>
+    </inkml:brush>
+  </inkml:definitions>
+  <inkml:trace contextRef="#ctx0" brushRef="#br0">0 11,'38'0,"-6"0,-18 0,1 0,-1 0,0 0,-1 0,-2 0,-2 0,2 0,-2 0,2-2,-1 1,1-2,0 2,0 0,-2 0,2 0,-1 0,1 1,0 0,-2 0,1 2,-5 9,0-3,-4 6,1-4,0-3,1 5,-1-2,1-1,-20-4,10-2,-16-5,16 0,0 0,-6-1,5 1,-5 0,3 2,2 0,-8 0,7 0,-5 0,3 0,1 0,-3 0,4 0,-4 0,4 0,-3 0,1 0,2 0,-3 0,2 0,-1 0,0 0,2 0,-2 4,1 1</inkml:trace>
+</inkml:ink>
+</file>
+
+<file path=ppt/ink/ink19.xml><?xml version="1.0" encoding="utf-8"?>
+<inkml:ink xmlns:inkml="http://www.w3.org/2003/InkML">
+  <inkml:definitions>
+    <inkml:context xml:id="ctx0">
+      <inkml:inkSource xml:id="inkSrc0">
+        <inkml:traceFormat>
+          <inkml:channel name="X" type="integer" min="-2.14748E9" max="2.14748E9" units="cm"/>
+          <inkml:channel name="Y" type="integer" min="-2.14748E9" max="2.14748E9" units="cm"/>
+          <inkml:channel name="F" type="integer" max="32767" units="dev"/>
+        </inkml:traceFormat>
+        <inkml:channelProperties>
+          <inkml:channelProperty channel="X" name="resolution" value="1000" units="1/cm"/>
+          <inkml:channelProperty channel="Y" name="resolution" value="1000" units="1/cm"/>
+          <inkml:channelProperty channel="F" name="resolution" value="0" units="1/dev"/>
+        </inkml:channelProperties>
+      </inkml:inkSource>
+      <inkml:timestamp xml:id="ts0" timeString="2023-05-24T15:43:11.346"/>
+    </inkml:context>
+    <inkml:brush xml:id="br0">
+      <inkml:brushProperty name="width" value="0.05" units="cm"/>
+      <inkml:brushProperty name="height" value="0.05" units="cm"/>
+    </inkml:brush>
+  </inkml:definitions>
+  <inkml:trace contextRef="#ctx0" brushRef="#br0">33 458 24575,'-1'-8'0,"-1"2"0,-1 0 0,1 3 0,-1-1 0,0-1 0,0 1 0,0-1 0,0 2 0,1-1 0,-1 0 0,2 0 0,0 1 0,0-1 0,1-1 0,2 1 0,0-2 0,3 1 0,1 0 0,1 1 0,0 0 0,-1 0 0,1-1 0,0-1 0,0 0 0,-1 1 0,-1 1 0,-1 1 0,-1-2 0,-2 1 0,0 0 0,-1 0 0,0 2 0,0-1 0,-2 1 0,-1 1 0,-1-1 0,-3 0 0,0-2 0,0 0 0,-1-1 0,4 2 0,-2-1 0,3 1 0,0-1 0,0 0 0,1 1 0,0 0 0,0 0 0,0 1 0,-1-2 0,1-1 0,0-1 0,1 0 0,1 0 0,0 0 0,0 1 0,0-1 0,2 1 0,1 0 0,2-1 0,1-1 0,-1-1 0,0-1 0,1-2 0,0-1 0,-1 0 0,-1 2 0,-2 1 0,-1 5 0,-1 0 0,0 3 0,-1-1 0,-1 1 0,-3 0 0,-1-1 0,-1-1 0,-1-1 0,0 0 0,2-1 0,1 1 0,2 0 0,1 1 0,1 0 0,0 0 0,1-1 0,0 2 0,1-3 0,0 2 0,2-1 0,0 1 0,-1 0 0,0 1 0,-1-1 0,1 2 0,-1-2 0,1 1 0,0-1 0,1 0 0,0 0 0,1-1 0,-1 1 0,-1 0 0,-1 1 0,1-1 0,-1 1 0,-1 0 0,1 0 0,-1 0 0,0 0 0,0 0 0,0 1 0</inkml:trace>
 </inkml:ink>
 </file>
 
@@ -759,117 +758,6 @@
         <inkml:traceFormat>
           <inkml:channel name="X" type="integer" min="-2.14748E9" max="2.14748E9" units="cm"/>
           <inkml:channel name="Y" type="integer" min="-2.14748E9" max="2.14748E9" units="cm"/>
-        </inkml:traceFormat>
-        <inkml:channelProperties>
-          <inkml:channelProperty channel="X" name="resolution" value="1000" units="1/cm"/>
-          <inkml:channelProperty channel="Y" name="resolution" value="1000" units="1/cm"/>
-        </inkml:channelProperties>
-      </inkml:inkSource>
-      <inkml:timestamp xml:id="ts0" timeString="2023-05-24T15:41:52.229"/>
-    </inkml:context>
-    <inkml:brush xml:id="br0">
-      <inkml:brushProperty name="width" value="0.2" units="cm"/>
-      <inkml:brushProperty name="height" value="0.4" units="cm"/>
-      <inkml:brushProperty name="color" value="#FFC000"/>
-      <inkml:brushProperty name="tip" value="rectangle"/>
-      <inkml:brushProperty name="rasterOp" value="maskPen"/>
-    </inkml:brush>
-  </inkml:definitions>
-  <inkml:trace contextRef="#ctx0" brushRef="#br0">0 0,'33'0,"-2"0,-13 0,0 0,2 0,-8 0,3 0,-7 0,3 0,3 0,-5 0,4 0,-3 0,0 1,3-1,-4 2,2-1,-1 0,-1 0,3 0,-3 0,2 0,-1 1,0-2,-4 12,-5-4,-1 6,-6-4,0-6,-6 1,1-4,0-1,0 0,2 0,-3 0,2 0,0 0,-2 0,0 0,1 0,1 0,-1 0,2 0,-3 1,3-1,-2 2,2 0,-2 1,1-1,-3 1,2-2,-2 1,2-2,2 0,-4 0,4 0,-1 0,40 0,-20 0,31 0,-31 0,0 0,4 0,-3 0,4 0,-6 0,2 0,-2 0,3 0,-1 0,0 0,2 0,-3 0,2 0,-2 0,-1 0,2 0,-2 0,2 0,-1 0</inkml:trace>
-</inkml:ink>
-</file>
-
-<file path=ppt/ink/ink21.xml><?xml version="1.0" encoding="utf-8"?>
-<inkml:ink xmlns:inkml="http://www.w3.org/2003/InkML">
-  <inkml:definitions>
-    <inkml:context xml:id="ctx0">
-      <inkml:inkSource xml:id="inkSrc0">
-        <inkml:traceFormat>
-          <inkml:channel name="X" type="integer" min="-2.14748E9" max="2.14748E9" units="cm"/>
-          <inkml:channel name="Y" type="integer" min="-2.14748E9" max="2.14748E9" units="cm"/>
-        </inkml:traceFormat>
-        <inkml:channelProperties>
-          <inkml:channelProperty channel="X" name="resolution" value="1000" units="1/cm"/>
-          <inkml:channelProperty channel="Y" name="resolution" value="1000" units="1/cm"/>
-        </inkml:channelProperties>
-      </inkml:inkSource>
-      <inkml:timestamp xml:id="ts0" timeString="2023-05-24T15:41:59.630"/>
-    </inkml:context>
-    <inkml:brush xml:id="br0">
-      <inkml:brushProperty name="width" value="0.2" units="cm"/>
-      <inkml:brushProperty name="height" value="0.4" units="cm"/>
-      <inkml:brushProperty name="color" value="#FFC000"/>
-      <inkml:brushProperty name="tip" value="rectangle"/>
-      <inkml:brushProperty name="rasterOp" value="maskPen"/>
-    </inkml:brush>
-  </inkml:definitions>
-  <inkml:trace contextRef="#ctx0" brushRef="#br0">0 3,'43'0,"-4"0,-10 0,-7 0,-3 0,-6 0,-4 0,4 0,-5 0,5 0,-3 0,-1 0,3 0,-3 0,2-1,1 0,-3 1,4 0,-4 0,0 1,2 4,-7 3,1 2,-5 2,0-3,-5 0,-5-4,-1-1,-3-4,7 0,-4 0,0 0,1 0,-2 0,1 1,0 1,0 0,-1 1,4-1,-4 1,1-1,2 0,-5 2,6-3,-3 1,-1-1,3-1,-5 0,6 0,-3 0,1 0,1 0,-3-1,40-3,-18 1,33-2,-26 4,-1 0,-1 1,-2 0,-2 0,-2 0,3 0,-3 0,3 0,-1 0,0 0,-2 0,2 0,-2 0,3 0,-3 0,2 0,-37-2,17 1,-29-1,29 2,-2 0,1 0,1 0,-6 0,7-1,-4-1,2 0,1 1,-4-1,5 1,-6-1,5 1,-2-1,-1 1,2 0,-1 0,-1 1,5 0,-6 0,3 0,1 0,0 0</inkml:trace>
-</inkml:ink>
-</file>
-
-<file path=ppt/ink/ink22.xml><?xml version="1.0" encoding="utf-8"?>
-<inkml:ink xmlns:inkml="http://www.w3.org/2003/InkML">
-  <inkml:definitions>
-    <inkml:context xml:id="ctx0">
-      <inkml:inkSource xml:id="inkSrc0">
-        <inkml:traceFormat>
-          <inkml:channel name="X" type="integer" min="-2.14748E9" max="2.14748E9" units="cm"/>
-          <inkml:channel name="Y" type="integer" min="-2.14748E9" max="2.14748E9" units="cm"/>
-        </inkml:traceFormat>
-        <inkml:channelProperties>
-          <inkml:channelProperty channel="X" name="resolution" value="1000" units="1/cm"/>
-          <inkml:channelProperty channel="Y" name="resolution" value="1000" units="1/cm"/>
-        </inkml:channelProperties>
-      </inkml:inkSource>
-      <inkml:timestamp xml:id="ts0" timeString="2023-05-24T15:42:06.549"/>
-    </inkml:context>
-    <inkml:brush xml:id="br0">
-      <inkml:brushProperty name="width" value="0.2" units="cm"/>
-      <inkml:brushProperty name="height" value="0.4" units="cm"/>
-      <inkml:brushProperty name="color" value="#FFC000"/>
-      <inkml:brushProperty name="tip" value="rectangle"/>
-      <inkml:brushProperty name="rasterOp" value="maskPen"/>
-    </inkml:brush>
-  </inkml:definitions>
-  <inkml:trace contextRef="#ctx0" brushRef="#br0">0 11,'38'0,"-6"0,-18 0,1 0,-1 0,0 0,-1 0,-2 0,-2 0,2 0,-2 0,2-2,-1 1,1-2,0 2,0 0,-2 0,2 0,-1 0,1 1,0 0,-2 0,1 2,-5 9,0-3,-4 6,1-4,0-3,1 5,-1-2,1-1,-20-4,10-2,-16-5,16 0,0 0,-6-1,5 1,-5 0,3 2,2 0,-8 0,7 0,-5 0,3 0,1 0,-3 0,4 0,-4 0,4 0,-3 0,1 0,2 0,-3 0,2 0,-1 0,0 0,2 0,-2 4,1 1</inkml:trace>
-</inkml:ink>
-</file>
-
-<file path=ppt/ink/ink23.xml><?xml version="1.0" encoding="utf-8"?>
-<inkml:ink xmlns:inkml="http://www.w3.org/2003/InkML">
-  <inkml:definitions>
-    <inkml:context xml:id="ctx0">
-      <inkml:inkSource xml:id="inkSrc0">
-        <inkml:traceFormat>
-          <inkml:channel name="X" type="integer" min="-2.14748E9" max="2.14748E9" units="cm"/>
-          <inkml:channel name="Y" type="integer" min="-2.14748E9" max="2.14748E9" units="cm"/>
-          <inkml:channel name="F" type="integer" max="32767" units="dev"/>
-        </inkml:traceFormat>
-        <inkml:channelProperties>
-          <inkml:channelProperty channel="X" name="resolution" value="1000" units="1/cm"/>
-          <inkml:channelProperty channel="Y" name="resolution" value="1000" units="1/cm"/>
-          <inkml:channelProperty channel="F" name="resolution" value="0" units="1/dev"/>
-        </inkml:channelProperties>
-      </inkml:inkSource>
-      <inkml:timestamp xml:id="ts0" timeString="2023-05-24T15:43:11.346"/>
-    </inkml:context>
-    <inkml:brush xml:id="br0">
-      <inkml:brushProperty name="width" value="0.05" units="cm"/>
-      <inkml:brushProperty name="height" value="0.05" units="cm"/>
-    </inkml:brush>
-  </inkml:definitions>
-  <inkml:trace contextRef="#ctx0" brushRef="#br0">33 458 24575,'-1'-8'0,"-1"2"0,-1 0 0,1 3 0,-1-1 0,0-1 0,0 1 0,0-1 0,0 2 0,1-1 0,-1 0 0,2 0 0,0 1 0,0-1 0,1-1 0,2 1 0,0-2 0,3 1 0,1 0 0,1 1 0,0 0 0,-1 0 0,1-1 0,0-1 0,0 0 0,-1 1 0,-1 1 0,-1 1 0,-1-2 0,-2 1 0,0 0 0,-1 0 0,0 2 0,0-1 0,-2 1 0,-1 1 0,-1-1 0,-3 0 0,0-2 0,0 0 0,-1-1 0,4 2 0,-2-1 0,3 1 0,0-1 0,0 0 0,1 1 0,0 0 0,0 0 0,0 1 0,-1-2 0,1-1 0,0-1 0,1 0 0,1 0 0,0 0 0,0 1 0,0-1 0,2 1 0,1 0 0,2-1 0,1-1 0,-1-1 0,0-1 0,1-2 0,0-1 0,-1 0 0,-1 2 0,-2 1 0,-1 5 0,-1 0 0,0 3 0,-1-1 0,-1 1 0,-3 0 0,-1-1 0,-1-1 0,-1-1 0,0 0 0,2-1 0,1 1 0,2 0 0,1 1 0,1 0 0,0 0 0,1-1 0,0 2 0,1-3 0,0 2 0,2-1 0,0 1 0,-1 0 0,0 1 0,-1-1 0,1 2 0,-1-2 0,1 1 0,0-1 0,1 0 0,0 0 0,1-1 0,-1 1 0,-1 0 0,-1 1 0,1-1 0,-1 1 0,-1 0 0,1 0 0,-1 0 0,0 0 0,0 0 0,0 1 0</inkml:trace>
-</inkml:ink>
-</file>
-
-<file path=ppt/ink/ink24.xml><?xml version="1.0" encoding="utf-8"?>
-<inkml:ink xmlns:inkml="http://www.w3.org/2003/InkML">
-  <inkml:definitions>
-    <inkml:context xml:id="ctx0">
-      <inkml:inkSource xml:id="inkSrc0">
-        <inkml:traceFormat>
-          <inkml:channel name="X" type="integer" min="-2.14748E9" max="2.14748E9" units="cm"/>
-          <inkml:channel name="Y" type="integer" min="-2.14748E9" max="2.14748E9" units="cm"/>
           <inkml:channel name="F" type="integer" max="32767" units="dev"/>
         </inkml:traceFormat>
         <inkml:channelProperties>
@@ -889,7 +777,7 @@
 </inkml:ink>
 </file>
 
-<file path=ppt/ink/ink25.xml><?xml version="1.0" encoding="utf-8"?>
+<file path=ppt/ink/ink21.xml><?xml version="1.0" encoding="utf-8"?>
 <inkml:ink xmlns:inkml="http://www.w3.org/2003/InkML">
   <inkml:definitions>
     <inkml:context xml:id="ctx0">
@@ -916,7 +804,7 @@
 </inkml:ink>
 </file>
 
-<file path=ppt/ink/ink26.xml><?xml version="1.0" encoding="utf-8"?>
+<file path=ppt/ink/ink22.xml><?xml version="1.0" encoding="utf-8"?>
 <inkml:ink xmlns:inkml="http://www.w3.org/2003/InkML">
   <inkml:definitions>
     <inkml:context xml:id="ctx0">
@@ -943,7 +831,7 @@
 </inkml:ink>
 </file>
 
-<file path=ppt/ink/ink27.xml><?xml version="1.0" encoding="utf-8"?>
+<file path=ppt/ink/ink23.xml><?xml version="1.0" encoding="utf-8"?>
 <inkml:ink xmlns:inkml="http://www.w3.org/2003/InkML">
   <inkml:definitions>
     <inkml:context xml:id="ctx0">
@@ -970,7 +858,7 @@
 </inkml:ink>
 </file>
 
-<file path=ppt/ink/ink28.xml><?xml version="1.0" encoding="utf-8"?>
+<file path=ppt/ink/ink24.xml><?xml version="1.0" encoding="utf-8"?>
 <inkml:ink xmlns:inkml="http://www.w3.org/2003/InkML">
   <inkml:definitions>
     <inkml:context xml:id="ctx0">
@@ -997,7 +885,7 @@
 </inkml:ink>
 </file>
 
-<file path=ppt/ink/ink29.xml><?xml version="1.0" encoding="utf-8"?>
+<file path=ppt/ink/ink25.xml><?xml version="1.0" encoding="utf-8"?>
 <inkml:ink xmlns:inkml="http://www.w3.org/2003/InkML">
   <inkml:definitions>
     <inkml:context xml:id="ctx0">
@@ -1017,6 +905,34 @@
       <inkml:brushProperty name="width" value="0.2" units="cm"/>
       <inkml:brushProperty name="height" value="0.4" units="cm"/>
       <inkml:brushProperty name="color" value="#00B050"/>
+      <inkml:brushProperty name="tip" value="rectangle"/>
+      <inkml:brushProperty name="rasterOp" value="maskPen"/>
+    </inkml:brush>
+  </inkml:definitions>
+  <inkml:trace contextRef="#ctx0" brushRef="#br0">1 0,'28'0,"-5"0,-18 0,3 0,5 0,-4 0,4 0,-3 0,-3 0,8 0,-6 0,4 0,-3 1,-1 0,3 0,-3 0,2-1,-1 2,-1-1,2 1,-1-2,-3 9,-3 0,-3 2,-2 1,-9-8,1-1,-5-4,3-2,5 2,-7 0,2 0,0 1,0 0,2 0,-3 0,1 0,2 0,-2 0,1 0,0 1,-2 1,4 0,-3 1,1-1,1 0,-2 0,1-1</inkml:trace>
+</inkml:ink>
+</file>
+
+<file path=ppt/ink/ink26.xml><?xml version="1.0" encoding="utf-8"?>
+<inkml:ink xmlns:inkml="http://www.w3.org/2003/InkML">
+  <inkml:definitions>
+    <inkml:context xml:id="ctx0">
+      <inkml:inkSource xml:id="inkSrc0">
+        <inkml:traceFormat>
+          <inkml:channel name="X" type="integer" min="-2.14748E9" max="2.14748E9" units="cm"/>
+          <inkml:channel name="Y" type="integer" min="-2.14748E9" max="2.14748E9" units="cm"/>
+        </inkml:traceFormat>
+        <inkml:channelProperties>
+          <inkml:channelProperty channel="X" name="resolution" value="1000" units="1/cm"/>
+          <inkml:channelProperty channel="Y" name="resolution" value="1000" units="1/cm"/>
+        </inkml:channelProperties>
+      </inkml:inkSource>
+      <inkml:timestamp xml:id="ts0" timeString="2023-05-24T15:48:30.882"/>
+    </inkml:context>
+    <inkml:brush xml:id="br0">
+      <inkml:brushProperty name="width" value="0.2" units="cm"/>
+      <inkml:brushProperty name="height" value="0.4" units="cm"/>
+      <inkml:brushProperty name="color" value="#FFC000"/>
       <inkml:brushProperty name="tip" value="rectangle"/>
       <inkml:brushProperty name="rasterOp" value="maskPen"/>
     </inkml:brush>
@@ -1050,34 +966,6 @@
     </inkml:brush>
   </inkml:definitions>
   <inkml:trace contextRef="#ctx0" brushRef="#br0">1 3,'37'0,"-4"0,-16 0,-3 0,-1 0,-6 0,6 0,-3 0,2 0,0 0,-3 0,1 0,1 0,-1 0,0 0,1 0,-1 0,2 0,-1 0,-1 0,0 0,1 0,0 1,-1 0,2 2,-5-2,6 3,-4-3,1 2,1-1,-1 0,3-1,-4-1,2-1,-1 0,0-1,2 1,-2 0,-1 0,4 0,-4-1,2 1,0 0,-2 1,3 0,-3 0,1 0,2 0,-2 0,2 0,-3 0,1 0,2 0,-1 0,1 0,-1 0,-2 0,2 0,0 0,-2 0,3-1,-1 0,-1-1,2 0,-3 0,1 2,1-1,-1 1,1 0,1 0,-3 0,3 0,-3 0,2 0,0 0,0 0,0 0,-1 0,-1 0,3 0,-3 0,2 0,-1 0,0 0,1 0,-1 0,0 0,1 0,-2 0,2 0,-2 0</inkml:trace>
-</inkml:ink>
-</file>
-
-<file path=ppt/ink/ink30.xml><?xml version="1.0" encoding="utf-8"?>
-<inkml:ink xmlns:inkml="http://www.w3.org/2003/InkML">
-  <inkml:definitions>
-    <inkml:context xml:id="ctx0">
-      <inkml:inkSource xml:id="inkSrc0">
-        <inkml:traceFormat>
-          <inkml:channel name="X" type="integer" min="-2.14748E9" max="2.14748E9" units="cm"/>
-          <inkml:channel name="Y" type="integer" min="-2.14748E9" max="2.14748E9" units="cm"/>
-        </inkml:traceFormat>
-        <inkml:channelProperties>
-          <inkml:channelProperty channel="X" name="resolution" value="1000" units="1/cm"/>
-          <inkml:channelProperty channel="Y" name="resolution" value="1000" units="1/cm"/>
-        </inkml:channelProperties>
-      </inkml:inkSource>
-      <inkml:timestamp xml:id="ts0" timeString="2023-05-24T15:48:30.882"/>
-    </inkml:context>
-    <inkml:brush xml:id="br0">
-      <inkml:brushProperty name="width" value="0.2" units="cm"/>
-      <inkml:brushProperty name="height" value="0.4" units="cm"/>
-      <inkml:brushProperty name="color" value="#FFC000"/>
-      <inkml:brushProperty name="tip" value="rectangle"/>
-      <inkml:brushProperty name="rasterOp" value="maskPen"/>
-    </inkml:brush>
-  </inkml:definitions>
-  <inkml:trace contextRef="#ctx0" brushRef="#br0">1 0,'28'0,"-5"0,-18 0,3 0,5 0,-4 0,4 0,-3 0,-3 0,8 0,-6 0,4 0,-3 1,-1 0,3 0,-3 0,2-1,-1 2,-1-1,2 1,-1-2,-3 9,-3 0,-3 2,-2 1,-9-8,1-1,-5-4,3-2,5 2,-7 0,2 0,0 1,0 0,2 0,-3 0,1 0,2 0,-2 0,1 0,0 1,-2 1,4 0,-3 1,1-1,1 0,-2 0,1-1</inkml:trace>
 </inkml:ink>
 </file>
 
@@ -1207,17 +1095,17 @@
           <inkml:channelProperty channel="Y" name="resolution" value="1000" units="1/cm"/>
         </inkml:channelProperties>
       </inkml:inkSource>
-      <inkml:timestamp xml:id="ts0" timeString="2023-05-24T16:32:44.827"/>
+      <inkml:timestamp xml:id="ts0" timeString="2023-05-24T13:47:40.285"/>
     </inkml:context>
     <inkml:brush xml:id="br0">
-      <inkml:brushProperty name="width" value="0.4" units="cm"/>
-      <inkml:brushProperty name="height" value="0.8" units="cm"/>
-      <inkml:brushProperty name="color" value="#FF0000"/>
+      <inkml:brushProperty name="width" value="0.2" units="cm"/>
+      <inkml:brushProperty name="height" value="0.4" units="cm"/>
+      <inkml:brushProperty name="color" value="#FFFF00"/>
       <inkml:brushProperty name="tip" value="rectangle"/>
       <inkml:brushProperty name="rasterOp" value="maskPen"/>
     </inkml:brush>
   </inkml:definitions>
-  <inkml:trace contextRef="#ctx0" brushRef="#br0">2181 3465,'-51'-5,"8"1,31 2,-7 1,-7 0,3-1,-2 2,4 0,6 0,-13-2,9 1,-1-1,-7 2,13 0,-16 0,14 0,-9 0,6 0,0 0,-9 0,14 0,-16 0,9 0,-2 0,0 0,6 0,-10 0,7 0,-7 0,9 0,0 0,-9 0,7 0,-6 0,3 0,9 0,-15 0,11 0,-5 0,-1 0,8 1,-13 1,9-1,-6 1,8-1,-2 2,-10 1,7 0,-10 0,9-2,-1 1,0-2,2 1,2-1,2-1,-5 0,3 0,-1 0,-2 0,6 0,-8 0,5 0,-1 0,-5 0,7 0,-7 0,10 0,-8 0,7 0,-7 0,6 0,0 0,-4 0,4 0,-8 0,11 0,-11 0,7 0,-1 0,-3 0,8 0,-5 1,0 0,0 1,-2-2,2 0,-2 0,2 0,-1 4,4-3,-3 8,1-8,0 3,-1-4,5-20,4 1,5-24,6 20,-1-8,2 12,-1-5,0 3,-1-2,1 3,1-1,0-2,0 4,0-3,-1-3,0 5,-1-5,1 4,1 0,0-1,0 2,0 0,0 0,0 0,0-2,0-4,0-3,0-5,0 1,0 3,0 6,0 7,0-5,0 5,0-8,0-1,0 2,0-5,0 3,0-1,0 3,0 2,0 4,0-4,0 1,0-4,0 6,0-5,0 1,0-3,0-3,0 3,0-1,0 1,0 3,0 3,0-4,0 6,0-9,0 10,0-5,0-8,0 6,0-9,0 13,0 3,0-6,0 2,0-4,0 2,0 5,0-3,0-1,0-1,-1 3,-6 1,4-2,-4-7,7 1,0-3,0 5,0 3,1-1,1 1,0 1,0-1,1 0,0 0,2-1,-1-1,0 1,-1 1,-2 2,0-6,-1 6,0-6,0 6,0-5,0-2,0-2,0 1,0 6,0 4,0-4,0-5,0-2,0-6,0 7,0-1,0 4,0 1,0 4,0 1,0-7,0 5,0-5,0 7,0 0,1-3,1-1,0-4,1 0,-2 1,0 3,-1 2,0-2,0 0,0 3,0-7,0 7,0-9,0 4,0 0,0 2,0 1,0-2,0 3,0-2,0 2,2 0,-1 1,1 0,-1-1,-1 1,0-1,-2 1,1 0,28 10,-12 2,24 10,-22-1,1 1,9 0,-6-1,7 1,-11-1,4 1,1-2,1 2,0 0,-3-1,1 1,1-2,0 1,1 1,-3 2,0 0,-1 0,6 1,-8-3,9 1,-6 0,0-1,6-1,-6 3,0-4,4 3,-3-3,0 0,6 0,-12 0,7-1,-70-15,36 12,-49-13,51 16,4-1,49-7,-16 4,39-5,-30 6,-1 0,-4 2,-3-1,-3-1,-1 1,-3-1,1 2,-1 1,0-1,-1 1,0-1,5 1,-8 1,7 0,-5 0,1 1,8 5,-10-3,4 5,0-4,-5 0,12 1,-13-2,10 1,-5-2,0 0,5-1,-10-1,10 0,-2 0,-1 0,0-1,-1-2,-6 0,12-4,-14 4,11-1,0 2,-2 2,7 0,-7 0,3 0,5 0,1 1,-1 1,-1 0,-6 1,-5-2,4 0,-4-1,4 0,-3 0,-1-1,2-4,-6 27,-2-14,-4 20,1-11,-4-5,3 12,-6-3,-1 1,-2 0,0-4,2 8,-1-5,1 4,-2-6,0 1,0 8,0-4,0 2,0-7,0 3,0 2,0 0,0 1,0-5,0 0,0 5,0-9,0 11,0-9,0 2,0 6,0-11,0 12,0-6,0 0,0 2,0-6,0 10,0-6,0 5,0-6,0 0,0 6,0-5,0 4,0-1,0-6,0 9,0-7,0 0,0 7,0-11,0 8,0 0,0-4,1 8,0-7,0 0,0 5,0-8,-1 6,0 0,1-6,0 6,0-2,0-5,0 16,-1-12,0 11,1-7,0 0,1-1,-1-3,-1-1,0 7,0-6,0 6,0-10,0 7,0-6,0 9,0-2,0 5,0 3,0 3,0 1,0-2,0-2,0-4,0-3,0-1,0-2,0 0,0-2,0 4,0-7,0 4,0 2,0-5,0 8,0-6,0 2,0 1,0 3,0 1,0-2,0-1,0-3,0-3,0 6,0-7,0 6,-1 2,0-5,-1 7,1-10,1 3,-3-2,-29-10,3-7,-30-15,6 0,-10 3,-9 4,-6 4,-2 6,-1 3,4 0,4 0,5-4,6-3,6 1,3 1,1-1,1 1,2-2,3 0,3 1,0 0,2 1,-1-1,2 0,1-1,2 0,2 0,2 0,3 0,4 0,2 0,3 0,2 0,-3 0,1 0,0-2,-1 1,-3-2,5 0,-4 0,4-2,3 0,-4-6,4-4,-3-6,1-5,2-2,4 1,5 3,4-2,2-3,2-5,0-8,0-10,5-18,10-13,14-5,-6 43,5 2,40-28,15 17,-37 33,2 5,46-2,0 6,-7 3,-9 2,-5 3,-4 2,3 2,3 0,-1 0,-7 0,-12 0,-12 0,-9 0,-3 0,-2 0,-1 0,-1 0,-4 0,-3 0,7 0,-9 0,6 0,0 0,-8 0,11 0,-10 0,3 6,0 3,-2 6,-5 0,-1 7,-6-3,-2 3,-2-1,-5-2,-9 2,-15 7,-20 7,-24 7,-14 1,38-22,0-3,-48 8,9-11,5-8,13-6,9-1,7 0,4-2,4-4,3-3,6-3,5-1,3 0,2-2,-5-4,-5-7,-7-7,-5-6,0-5,5 0,4-1,7 2,2-2,3-3,2-1,3-4,2-1,4 0,1-1,1 1,0 2,0 5,2 7,1 7,2 6,0 0,3-5,0-8,0-9,1-3,0 3,1 5,1 9,1 7,1 1,5-5,11-11,13-11,12-7,8 2,5 4,1 7,-1 10,-1 6,1 8,2 6,1 5,-3 4,-5 4,-6 4,-1 1,2 0,2 0,8 0,4 0,2 0,2 0,-4 0,-5 0,-3 1,-5 2,-1 4,-2 4,-3 1,-4 1,-4 0,-8 0,-3 2,-5 2,-2 2,-2 2,-2 5,-1 6,-1 5,-1 5,0 6,-1 2,-1 1,-1-1,0-2,-1-4,-1-4,2-3,-2-5,2-2,0-3,-1-2,-1-3,-1-2,-2 5,-10-5,-13 4,-16-8,-16-5,-7-4,-4-5,-2-6,3-3,2-1,4 0,1 5,0 1,-5 2,-3 0,2 0,5 0,7 0,8 0,7 0,7-3,5-5,5-4,5-3,4-1,4-9,5 6,1-8,2 5,8-4,17-8,25-12,22-8,-29 26,1 1,44-19,-7 14,-8 14,-9 10,-9 5,-4 2,-6 2,-2 2,-3 3,-3 3,-3 3,-2 1,-5 0,-5 2,-5 2,-6 0,-5 9,-2-6,-3 6,-1-6,-3 1,-2 2,-5 3,-5 6,-2 7,-4 5,1 4,0 2,0 0,2 1,2 0,0 3,2 1,-2 3,-1 2,-1-1,0-6,-1-5,2-6,-2-3,-2-2,-2-1,-3-1,1-4,4-5,1 0,2 0,-1 3,0 4,1 1,1 0,2-4,2-3,2-4,1-4,0 0,1-2,-7-3,-1-6,-7-6,-1-10,-2-10,-3-9,1-7,-1-4,-3-8,-2-12,-5-11,2-3,2 5,5 5,5-2,2-8,3-9,3-2,3 8,6 14,3 14,4 14,3 6,0 3,0 0,0 0,0 0,0 5,2-1,1 2</inkml:trace>
+  <inkml:trace contextRef="#ctx0" brushRef="#br0">4 0,'28'0,"-4"0,-17 0,0 0,7 0,-6 0,7 0,-7 0,2 0,1 0,-2 0,3 0,-3 0,2 0,0 0,-1 0,2 0,-2 0,0 0,1 0,-1 0,0 1,2 0,-4 1,4 0,-3-1,2-1,0 0,-1 0,1 1,0 0,-2 1,1-1,0 0,1-3,-2-2,-7 22,1-14,-7 18,4-15,0-3,0 13,0-10,0 5,0 0,0-6,0 9,0-5,0-1,0 6,0-8,0 7,0-6,0 2,1 2,0-5,0 6,1-3,-2-1,3 4,-2-4,1 2,-1-1,0 0,0 2,0-3,0 5,0-6,-1 3,0 0,0-1,0 3,0-4,0 2,0 0,0 1,0-1,0 1,0-3,0 5,0-6,0 3,0 0,0-3,0 8,0-7,-1 4,-1-3,0 0,1 1,-1 2,0-5,0 3,0 0,1-3,-1 7,1-5,0 3,0-3,0 1,0-1,0 1,0 0,1 0,-1 1,0-1,0 2,1 0,-1 0,1 1,0-1,0 0,0 0,-1 0,0 1,0-2,0-1,1 0,0-1,0 1,0 0,0 0,0-1,0 1,0-1,0 2,0-3,0 1,0 3,0-3,0 2,0 0,0-4,0 6,0-5,0 3,0-2,0-1,0 3,0-3,1 3,0-3,2 2,2-2,-1 0,2 0,-4 0,-18-3,10-1,-13-5,12 0,1-1,-8-2,5 2,-3-1,2 2,1 0,-3 0,1 0,0 0,0 0,2 0,-3 0,0 0,3 0,-5 0,7 2,-6-2,3 2,0-1,-1 0,1 0,-3 1,5-2,-5 2,3-2,0 1,-3 0,4 0,-1-1,0 0,0 0,-1 0,1 0,4-14,1 7,5-12,0 10,0-1,0 0,0 0,0-2,1 2,0-1,0 2,-1-2,0-1,0 1,0-3,0 6,0-5,0 5,0-2,0-3,0 4,0-3,0 2,0-1,0 1,0-1,0 1,0 0,0-1,0 1,0-1,0 1,0-1,0-1,0 3,0-5,0 6,0-5,0 5,0-5,0 2,0 2,0-2,0 1,0-1,0 1,0-4,0 6,0-5,0 4,0-3,0 0,0 1,0 1,0-2,0 3,0-5,0 7,0-5,0 0,0 2,0-4,0 4,0 1,0-6,0 3,-2-3,1 5,0 0,0-2,0 1,0-1,1 3,0-4,0 4,0-3,0 0,0 3,0-4,0 3,0 0,0-1,0 1,0-2,1 1,1 0,1 1,6 1,-1 5,5-1,-1 4,3-1,3-1,1 0,-1 0,-3 1,-3 0,-3 2,3 0,-3 1,3 3,-3 3,0 5,-2 5,0 4,-1 1,-1 2,0 1,-1-2,-1 0,0-2,-1-1,0 0,0 3,1 2,0 2,1 2,-1-1,-1 2,-1 0,-1-2,0-2,0-4,0 0,0-1,0 1,0-1,0 0,0-1,-1-1,0 0,-2 0,-1 0,0-2,-2-2,0-2,1-4,-5-4,-4-4,-1-5,-3-4,4-7,0-5,3-4,2-2,4 0,2 2,2 3,1 3,0 0,0 1,0-2,0 0,0 0,0-1,0-1,1 0,1 0,2 3,0 3,-1 4,0 1,0 0,-1 1,-1-3,-1 1,0-2</inkml:trace>
 </inkml:ink>
 </file>
 
@@ -1235,17 +1123,17 @@
           <inkml:channelProperty channel="Y" name="resolution" value="1000" units="1/cm"/>
         </inkml:channelProperties>
       </inkml:inkSource>
-      <inkml:timestamp xml:id="ts0" timeString="2023-05-24T16:37:22.815"/>
+      <inkml:timestamp xml:id="ts0" timeString="2023-05-24T15:39:56.292"/>
     </inkml:context>
     <inkml:brush xml:id="br0">
-      <inkml:brushProperty name="width" value="0.4" units="cm"/>
-      <inkml:brushProperty name="height" value="0.8" units="cm"/>
-      <inkml:brushProperty name="color" value="#002060"/>
+      <inkml:brushProperty name="width" value="0.2" units="cm"/>
+      <inkml:brushProperty name="height" value="0.4" units="cm"/>
+      <inkml:brushProperty name="color" value="#00B050"/>
       <inkml:brushProperty name="tip" value="rectangle"/>
       <inkml:brushProperty name="rasterOp" value="maskPen"/>
     </inkml:brush>
   </inkml:definitions>
-  <inkml:trace contextRef="#ctx0" brushRef="#br0">0 12,'0'61,"0"-8,0-36,0-2,0 15,0-13,0 12,0-8,0-3,0 12,0-14,0 6,0 0,0-3,0 8,0-6,0-3,0 4,0-1,0 0,0 9,1-15,0 12,0-7,0-1,-1 5,0-5,0 6,0-4,0-1,0 4,0-8,1 8,1-1,-1-4,0 5,-1 1,0-5,1 7,0-6,1 1,0 0,-1-2,1 0,-1-1,1 3,-2 2,3-5,-2 5,1-6,1 3,-2 2,0-5,-1 10,0-8,0 5,0-6,0-1,0 6,0-6,0 4,0 1,0-6,0 11,0-8,0 0,0 3,0-6,0 11,0-10,0 4,-2-1,1-5,-2 9,2-6,-2 0,2 4,0-5,36-8,-16 0,28-12,-30 5,-2-2,10-1,-9 0,11 0,-3 0,-6 0,9 0,-8 0,2 0,3 0,-4-2,4-2,-5-1,2-1,2-1,-5 3,4-1,2 0,-3 2,7-3,-6 2,0 0,-1 1,3 1,-6 1,5-1,3 1,-3 0,9 1,-7 0,2 0,1 0,2 0,3 0,1 0,1 0,-1 0,-3 0,0 0,0 0,1 0,-1 0,-2 0,0 0,0 1,1 2,-1 1,-3 0,0 1,-4-1,-1-1,-2 1,7 1,-6-1,6 0,-9-2,7 3,-5-3,5 1,1-1,-5-1,8 1,-4-2,2 0,3 0,3 0,1 0,-3 0,-7 0,-3 0,5 0,19 0,-11 0,22 0,-19 0,10 0,0 0,-4 0,-2 0,-5 0,-4 0,-3 0,-4 0,-1 0,0 1,1 0,1 2,2-1,1-1,-1 2,-1-2,1 0,2 0,2-1,0 0,1 0,-2 0,-1 0,1 0,-2 0,2 0,-1 0,-1 0,-1 0,-1 0,-1 0,0 0,2 0,2 0,1 0,2 0,-1 0,-2 0,0 0,-3 0,-1 0,-1 0,-2 0,-1 0,-1 0,6 0,-7 0,5 0,-3 0,-3 0,13 2,-11-1,6 1,-7-1,-1 1,3-1,-2 1,4-1,-3 1,2-1,-1 0,-2 2,2-2,-2 1,2-2,-4-15,-6-12,-5 3,-6-9,0 16,0-6,0-3,0-1,0 2,0-1,0 3,0 1,0 0,0 2,0 0,0 0,0-1,0 0,-1-3,0-3,-2-3,1-2,0-1,1 0,1 1,0 3,-1 1,-1-1,1-1,0-5,0-1,0 0,-1 1,-1 1,1 3,0 3,0 4,-1 1,0 0,0 0,-1-3,1-2,0-1,1-1,1 0,1 4,0 2,0 5,0-8,0 9,0-6,-2 4,1-4,0 1,0-1,1 6,0-5,0 5,0-5,0-2,0 6,0-7,0 8,2-2,1-3,2 4,1 0,1-1,-2 1,-1-1,-49 3,5 9,-55 8,52 2,-14 2,33-4,-9 0,0 0,5 0,4-1,4 0,-3-2,0 1,0 0,-2 2,1 0,-4 0,-2 0,-1 0,3 0,1 0,3 0,0 0,-2 0,-3 0,-6 1,-2 1,-4 1,-1-1,1 0,0 0,2 0,0 1,2 0,2-2,0 0,0-1,-1 0,-4 0,-6 0,-3 0,-4 0,2 0,4 1,7 2,6 2,5 1,5-1,4-2,-1-1,0 0,-6-2,-5 1,1-2,-1-2,2-2,2-1,-4-2,1 0,-1 3,3 1,2 3,5 1,1 0,0 0,-4 0,-3 0,-2 0,2-1,3-1,3 0,0-2,0 1,-1-2,-1 0,-2 0,-2 0,-1 1,1 1,3 2,1 1,4 0,-5 0,4 0,-7 0,1 0,-5 0,-4 3,-2 0,-1 0,1-1,0-2,1 0,-2 0,0 0,-1 0,-1 0,3 0,2 0,6 0,4 0,3 0,3 0,-1 0,1 0,0 0,0 0,-1 0,1 0,-6 0,7 0,-4 0,4 0,-1 0,-2 0,-1 0,16 38,1-1,11 40,-1-19,-1 2,-1-1,-1-3,2 6,-1-10,0-6,-1-6,0-7,0-4,1-2,0 2,-1 4,1 1,-1 0,0-5,1-5,-1-1,0 0,-1 1,0 2,0 0,0 0,0-3,0-3,24-2,8 3,38 4,16 1,-32-15,3-2,7-3,1-1,2-2,-1-2,0-1,-1 0,-4-2,-1 0,-6-1,0-1,0-1,-1 0,-1 0,-1 0,0 0,-1 1,48-3,-7 3,-8 2,-7 1,-8 1,-5 0,2 0,4 0,4-2,0-1,-4-2,-6 0,-7 1,-7 1,-4 2,-2-1,-1 2,1 0,1 0,0 0,0 0,1 1,1 0,1 2,3 0,-1 0,-1-2,-5-1,-3 0,-2 0,-1 0,1 1,-1 2,-1 0,-3-1,-2-1,-2-1,-3 0,-3 0,-4 0,1 0,-8-43,0 5,-9-40,-3 23,0 8,0 13,-1 11,-3 6,-10-7,1 5,-7-9,6 6,0 1,-1 4,-4 3,-3 4,-8 1,-12 0,-16 2,-19 2,-18 2,39 2,-2 1,-5 0,-2 0,-3 0,-1 0,-1 0,-1 0,0 0,0 0,3 0,0 0,4 0,0 0,2 0,1 0,6 0,1-1,1-1,1 0,-45-3,9-2,5 1,3 3,5 2,0-1,-1 0,6 0,1 1,8 0,8-2,9 0,7 0,7 2,13 1,-4 0,0 4,-6 0,-8 4,5-2,1 0,2-1,2-1,2-1,1-2,3 0,-4-1,0 0,3 0,0 0</inkml:trace>
+  <inkml:trace contextRef="#ctx0" brushRef="#br0">1 1258,'25'-2,"-5"0,-17 1,6-1,2 1,0 0,1 0,-4 1,4 0,-2 0,2 0,-3 0,2 0,-1 0,1 0,0 0,-2 0,2 0,-2 0,2 0,-1 0,0 0,0 0,1 0,-1 1,0 0,0 0,-1 4,-27-31,13 0,-21-51,24 34,1-24,4 31,1-7,3 7,1 11,-1 10,-3 5,0 1,-1-2,-1 1,0-1,-2 38,1-24,-1 30,4-67,-3 25,3-27,-4 34,0 0,0-15,0 9,-1-12,0 13,1 0,-1-7,1 4,-1-3,0 2,0 3,1-5,-1 4,1-3,0 1,0 0,0-2,-1 5,0-3,-1 2,0-1,1-1,0 1,0-1,1 1,0-1,0 0,0 2,0-2,0 2,0-2,0 1,0 0,0 0,0-1,0 0,0 1,1-2,1 1,-1 1,0-1,-1 1,0-3,0 0,0 1,0 3,0-2,0 0,0-1,0 1,0 2,0-3,0 2,0-1,1-1,0 3,-1-3,0-1,0 4,0-4,0 2,0 1,0-2,0 2,0 1,0-4,1 3,0 1,1-3,-1 4,1-3,-1 0,0 2,-14 2,7 3,-10 3,7 2,2-1,-6 2,3 0,0 0,-2-2,5 0,-6 0,2 0,3 0,-7 0,7 0,-3 0,-1 0,5 0,-7 0,5 0,-1 0,-2 0,1 0,1 0,0 0,1 0,-2-1,0-1,8 17,-1-9,6 11,0-7,-2-6,3 11,-2-7,0 4,-1 0,0-5,0 6,0-2,0-1,0 3,0-5,0 3,0-1,0-1,0 3,0-2,0 2,0 0,0-3,-1 4,0-5,1 3,-1 2,0-3,0 3,0-4,0 3,1-3,-2 5,2-7,-1 7,0-4,1 1,-1 1,-1-3,2 2,-1 1,1-4,0 4,0-1,0 0,0 1,0-1,0-4,0 7,0-4,0 1,0 0,0 0,0-1,0 4,0-6,0 6,0-5,0 1,0 3,0-4,1 4,-1-2,2-2,-1 3,1-1,-1-1,-1 1,1-2,0 1,1 1,-1 0,0 0,0-1,0 0,-1 1,0-2,0 5,0-4,0 3,0-3,0 0,0 2,0-3,0 2,0 0,0-2,0 3,2 2,-1-5,1 4,1-4,7-4,-1-2,6-7,-4-1,-1-4,-2 1,1-4,0-4,-1-4,0-2,0 1,-2 2,-1-2,-1-6,0-9,-1-7,0-3,-1 5,0 7,-1 5,0 2,-1-3,0-3,0-4,0 3,0 4,0 9,-2 7,0 4,-2 1,0 0,0-6,2 2,0-8,2 2,0-2,0 2,0 5,0 5,4-2,-1 3,5-4,0 1,0-2,1 0,0 1,-2 2,-1 1,0 1,2 30,-4-13,3 28,-4-15,0 6,2 4,0-2,-1-3,0-6,-1-5,-1 0,0 0,-1 0,-1 0,0-4,0-3,0-4</inkml:trace>
 </inkml:ink>
 </file>
 
@@ -7935,210 +7823,309 @@
           <a:chExt cx="0" cy="0"/>
         </a:xfrm>
       </p:grpSpPr>
-      <mc:AlternateContent xmlns:mc="http://schemas.openxmlformats.org/markup-compatibility/2006" xmlns:p14="http://schemas.microsoft.com/office/powerpoint/2010/main">
-        <mc:Choice Requires="p14">
-          <p:contentPart p14:bwMode="auto" r:id="rId2">
-            <p14:nvContentPartPr>
-              <p14:cNvPr id="102" name="Freihand 101">
-                <a:extLst>
-                  <a:ext uri="{FF2B5EF4-FFF2-40B4-BE49-F238E27FC236}">
-                    <a16:creationId xmlns:a16="http://schemas.microsoft.com/office/drawing/2014/main" id="{1C297E4B-50A1-2B24-81C6-695EF48AEB5D}"/>
-                  </a:ext>
-                </a:extLst>
-              </p14:cNvPr>
-              <p14:cNvContentPartPr/>
-              <p14:nvPr/>
-            </p14:nvContentPartPr>
-            <p14:xfrm>
-              <a:off x="5182173" y="3499258"/>
-              <a:ext cx="788760" cy="1259640"/>
-            </p14:xfrm>
-          </p:contentPart>
-        </mc:Choice>
-        <mc:Fallback xmlns="">
-          <p:pic>
-            <p:nvPicPr>
-              <p:cNvPr id="102" name="Freihand 101">
-                <a:extLst>
-                  <a:ext uri="{FF2B5EF4-FFF2-40B4-BE49-F238E27FC236}">
-                    <a16:creationId xmlns:a16="http://schemas.microsoft.com/office/drawing/2014/main" id="{1C297E4B-50A1-2B24-81C6-695EF48AEB5D}"/>
-                  </a:ext>
-                </a:extLst>
-              </p:cNvPr>
-              <p:cNvPicPr/>
-              <p:nvPr/>
-            </p:nvPicPr>
-            <p:blipFill>
-              <a:blip r:embed="rId3"/>
-              <a:stretch>
-                <a:fillRect/>
-              </a:stretch>
-            </p:blipFill>
-            <p:spPr>
-              <a:xfrm>
-                <a:off x="5110173" y="3355618"/>
-                <a:ext cx="932400" cy="1547280"/>
-              </a:xfrm>
-              <a:prstGeom prst="rect">
-                <a:avLst/>
-              </a:prstGeom>
-            </p:spPr>
-          </p:pic>
-        </mc:Fallback>
-      </mc:AlternateContent>
-      <mc:AlternateContent xmlns:mc="http://schemas.openxmlformats.org/markup-compatibility/2006" xmlns:p14="http://schemas.microsoft.com/office/powerpoint/2010/main">
-        <mc:Choice Requires="p14">
-          <p:contentPart p14:bwMode="auto" r:id="rId4">
-            <p14:nvContentPartPr>
-              <p14:cNvPr id="104" name="Freihand 103">
-                <a:extLst>
-                  <a:ext uri="{FF2B5EF4-FFF2-40B4-BE49-F238E27FC236}">
-                    <a16:creationId xmlns:a16="http://schemas.microsoft.com/office/drawing/2014/main" id="{7BAACB09-64F9-54B6-44E9-1F12B8754857}"/>
-                  </a:ext>
-                </a:extLst>
-              </p14:cNvPr>
-              <p14:cNvContentPartPr/>
-              <p14:nvPr/>
-            </p14:nvContentPartPr>
-            <p14:xfrm>
-              <a:off x="5190350" y="3515058"/>
-              <a:ext cx="1384560" cy="651600"/>
-            </p14:xfrm>
-          </p:contentPart>
-        </mc:Choice>
-        <mc:Fallback xmlns="">
-          <p:pic>
-            <p:nvPicPr>
-              <p:cNvPr id="104" name="Freihand 103">
-                <a:extLst>
-                  <a:ext uri="{FF2B5EF4-FFF2-40B4-BE49-F238E27FC236}">
-                    <a16:creationId xmlns:a16="http://schemas.microsoft.com/office/drawing/2014/main" id="{7BAACB09-64F9-54B6-44E9-1F12B8754857}"/>
-                  </a:ext>
-                </a:extLst>
-              </p:cNvPr>
-              <p:cNvPicPr/>
-              <p:nvPr/>
-            </p:nvPicPr>
-            <p:blipFill>
-              <a:blip r:embed="rId5"/>
-              <a:stretch>
-                <a:fillRect/>
-              </a:stretch>
-            </p:blipFill>
-            <p:spPr>
-              <a:xfrm>
-                <a:off x="5118350" y="3371418"/>
-                <a:ext cx="1528200" cy="939240"/>
-              </a:xfrm>
-              <a:prstGeom prst="rect">
-                <a:avLst/>
-              </a:prstGeom>
-            </p:spPr>
-          </p:pic>
-        </mc:Fallback>
-      </mc:AlternateContent>
-      <mc:AlternateContent xmlns:mc="http://schemas.openxmlformats.org/markup-compatibility/2006" xmlns:p14="http://schemas.microsoft.com/office/powerpoint/2010/main">
-        <mc:Choice Requires="p14">
-          <p:contentPart p14:bwMode="auto" r:id="rId6">
-            <p14:nvContentPartPr>
-              <p14:cNvPr id="101" name="Freihand 100">
-                <a:extLst>
-                  <a:ext uri="{FF2B5EF4-FFF2-40B4-BE49-F238E27FC236}">
-                    <a16:creationId xmlns:a16="http://schemas.microsoft.com/office/drawing/2014/main" id="{B0A3595B-E980-4446-17B2-060CED818D88}"/>
-                  </a:ext>
-                </a:extLst>
-              </p14:cNvPr>
-              <p14:cNvContentPartPr/>
-              <p14:nvPr/>
-            </p14:nvContentPartPr>
-            <p14:xfrm>
-              <a:off x="5187461" y="3501563"/>
-              <a:ext cx="1385280" cy="1260000"/>
-            </p14:xfrm>
-          </p:contentPart>
-        </mc:Choice>
-        <mc:Fallback xmlns="">
-          <p:pic>
-            <p:nvPicPr>
-              <p:cNvPr id="101" name="Freihand 100">
-                <a:extLst>
-                  <a:ext uri="{FF2B5EF4-FFF2-40B4-BE49-F238E27FC236}">
-                    <a16:creationId xmlns:a16="http://schemas.microsoft.com/office/drawing/2014/main" id="{B0A3595B-E980-4446-17B2-060CED818D88}"/>
-                  </a:ext>
-                </a:extLst>
-              </p:cNvPr>
-              <p:cNvPicPr/>
-              <p:nvPr/>
-            </p:nvPicPr>
-            <p:blipFill>
-              <a:blip r:embed="rId7"/>
-              <a:stretch>
-                <a:fillRect/>
-              </a:stretch>
-            </p:blipFill>
-            <p:spPr>
-              <a:xfrm>
-                <a:off x="5115461" y="3357923"/>
-                <a:ext cx="1528920" cy="1547640"/>
-              </a:xfrm>
-              <a:prstGeom prst="rect">
-                <a:avLst/>
-              </a:prstGeom>
-            </p:spPr>
-          </p:pic>
-        </mc:Fallback>
-      </mc:AlternateContent>
-      <mc:AlternateContent xmlns:mc="http://schemas.openxmlformats.org/markup-compatibility/2006" xmlns:p14="http://schemas.microsoft.com/office/powerpoint/2010/main">
-        <mc:Choice Requires="p14">
-          <p:contentPart p14:bwMode="auto" r:id="rId8">
-            <p14:nvContentPartPr>
-              <p14:cNvPr id="99" name="Freihand 98">
-                <a:extLst>
-                  <a:ext uri="{FF2B5EF4-FFF2-40B4-BE49-F238E27FC236}">
-                    <a16:creationId xmlns:a16="http://schemas.microsoft.com/office/drawing/2014/main" id="{31543B16-378F-36ED-CCC9-EF6E701DB255}"/>
-                  </a:ext>
-                </a:extLst>
-              </p14:cNvPr>
-              <p14:cNvContentPartPr/>
-              <p14:nvPr/>
-            </p14:nvContentPartPr>
-            <p14:xfrm>
-              <a:off x="3347742" y="4414013"/>
-              <a:ext cx="475560" cy="330840"/>
-            </p14:xfrm>
-          </p:contentPart>
-        </mc:Choice>
-        <mc:Fallback xmlns="">
-          <p:pic>
-            <p:nvPicPr>
-              <p:cNvPr id="99" name="Freihand 98">
-                <a:extLst>
-                  <a:ext uri="{FF2B5EF4-FFF2-40B4-BE49-F238E27FC236}">
-                    <a16:creationId xmlns:a16="http://schemas.microsoft.com/office/drawing/2014/main" id="{31543B16-378F-36ED-CCC9-EF6E701DB255}"/>
-                  </a:ext>
-                </a:extLst>
-              </p:cNvPr>
-              <p:cNvPicPr/>
-              <p:nvPr/>
-            </p:nvPicPr>
-            <p:blipFill>
-              <a:blip r:embed="rId9"/>
-              <a:stretch>
-                <a:fillRect/>
-              </a:stretch>
-            </p:blipFill>
-            <p:spPr>
-              <a:xfrm>
-                <a:off x="3275742" y="4270373"/>
-                <a:ext cx="619200" cy="618480"/>
-              </a:xfrm>
-              <a:prstGeom prst="rect">
-                <a:avLst/>
-              </a:prstGeom>
-            </p:spPr>
-          </p:pic>
-        </mc:Fallback>
-      </mc:AlternateContent>
+      <p:sp>
+        <p:nvSpPr>
+          <p:cNvPr id="20" name="Rechteck 19">
+            <a:extLst>
+              <a:ext uri="{FF2B5EF4-FFF2-40B4-BE49-F238E27FC236}">
+                <a16:creationId xmlns:a16="http://schemas.microsoft.com/office/drawing/2014/main" id="{C2DD9C83-2E3A-F93E-9A76-1EA9BCB3DF03}"/>
+              </a:ext>
+            </a:extLst>
+          </p:cNvPr>
+          <p:cNvSpPr/>
+          <p:nvPr/>
+        </p:nvSpPr>
+        <p:spPr>
+          <a:xfrm>
+            <a:off x="3281600" y="4290649"/>
+            <a:ext cx="598665" cy="583137"/>
+          </a:xfrm>
+          <a:prstGeom prst="rect">
+            <a:avLst/>
+          </a:prstGeom>
+          <a:solidFill>
+            <a:srgbClr val="69F50C">
+              <a:alpha val="47451"/>
+            </a:srgbClr>
+          </a:solidFill>
+          <a:ln w="19050">
+            <a:solidFill>
+              <a:srgbClr val="65948A"/>
+            </a:solidFill>
+          </a:ln>
+        </p:spPr>
+        <p:txBody>
+          <a:bodyPr wrap="square" rtlCol="0" anchor="ctr">
+            <a:spAutoFit/>
+          </a:bodyPr>
+          <a:lstStyle/>
+          <a:p>
+            <a:pPr algn="ctr"/>
+            <a:endParaRPr lang="en-US" sz="1800" dirty="0">
+              <a:latin typeface="Consolas" pitchFamily="49" charset="0"/>
+              <a:cs typeface="Consolas" pitchFamily="49" charset="0"/>
+            </a:endParaRPr>
+          </a:p>
+        </p:txBody>
+      </p:sp>
+      <p:sp>
+        <p:nvSpPr>
+          <p:cNvPr id="48" name="Textfeld 47">
+            <a:extLst>
+              <a:ext uri="{FF2B5EF4-FFF2-40B4-BE49-F238E27FC236}">
+                <a16:creationId xmlns:a16="http://schemas.microsoft.com/office/drawing/2014/main" id="{59F4BD96-18A6-CDEB-5398-C2378A78EC71}"/>
+              </a:ext>
+            </a:extLst>
+          </p:cNvPr>
+          <p:cNvSpPr txBox="1"/>
+          <p:nvPr/>
+        </p:nvSpPr>
+        <p:spPr bwMode="auto">
+          <a:xfrm>
+            <a:off x="2674392" y="4572708"/>
+            <a:ext cx="1826715" cy="307777"/>
+          </a:xfrm>
+          <a:prstGeom prst="rect">
+            <a:avLst/>
+          </a:prstGeom>
+          <a:noFill/>
+          <a:ln w="6350">
+            <a:noFill/>
+          </a:ln>
+          <a:effectLst/>
+        </p:spPr>
+        <p:txBody>
+          <a:bodyPr wrap="square" rtlCol="0">
+            <a:spAutoFit/>
+          </a:bodyPr>
+          <a:lstStyle/>
+          <a:p>
+            <a:r>
+              <a:rPr lang="en-US" sz="1400" dirty="0">
+                <a:latin typeface="+mn-lt"/>
+              </a:rPr>
+              <a:t>4      1     5     4      6</a:t>
+            </a:r>
+          </a:p>
+        </p:txBody>
+      </p:sp>
+      <p:sp>
+        <p:nvSpPr>
+          <p:cNvPr id="26" name="Rechteck 25">
+            <a:extLst>
+              <a:ext uri="{FF2B5EF4-FFF2-40B4-BE49-F238E27FC236}">
+                <a16:creationId xmlns:a16="http://schemas.microsoft.com/office/drawing/2014/main" id="{59DD09F5-7C2E-7B06-CF5C-090BB18CCFC9}"/>
+              </a:ext>
+            </a:extLst>
+          </p:cNvPr>
+          <p:cNvSpPr/>
+          <p:nvPr/>
+        </p:nvSpPr>
+        <p:spPr>
+          <a:xfrm>
+            <a:off x="5117034" y="3370919"/>
+            <a:ext cx="1529307" cy="1529996"/>
+          </a:xfrm>
+          <a:prstGeom prst="rect">
+            <a:avLst/>
+          </a:prstGeom>
+          <a:solidFill>
+            <a:srgbClr val="69F50C">
+              <a:alpha val="47451"/>
+            </a:srgbClr>
+          </a:solidFill>
+          <a:ln w="19050">
+            <a:solidFill>
+              <a:srgbClr val="65948A"/>
+            </a:solidFill>
+          </a:ln>
+        </p:spPr>
+        <p:txBody>
+          <a:bodyPr wrap="square" rtlCol="0" anchor="ctr">
+            <a:spAutoFit/>
+          </a:bodyPr>
+          <a:lstStyle/>
+          <a:p>
+            <a:pPr algn="ctr"/>
+            <a:endParaRPr lang="en-US" sz="1800" dirty="0">
+              <a:latin typeface="Consolas" pitchFamily="49" charset="0"/>
+              <a:cs typeface="Consolas" pitchFamily="49" charset="0"/>
+            </a:endParaRPr>
+          </a:p>
+        </p:txBody>
+      </p:sp>
+      <p:sp>
+        <p:nvSpPr>
+          <p:cNvPr id="7" name="Rechteck 6">
+            <a:extLst>
+              <a:ext uri="{FF2B5EF4-FFF2-40B4-BE49-F238E27FC236}">
+                <a16:creationId xmlns:a16="http://schemas.microsoft.com/office/drawing/2014/main" id="{9EC881BE-E2C2-DC13-F59F-98E013AFED15}"/>
+              </a:ext>
+            </a:extLst>
+          </p:cNvPr>
+          <p:cNvSpPr/>
+          <p:nvPr/>
+        </p:nvSpPr>
+        <p:spPr>
+          <a:xfrm>
+            <a:off x="5125471" y="3375137"/>
+            <a:ext cx="1514000" cy="907452"/>
+          </a:xfrm>
+          <a:prstGeom prst="rect">
+            <a:avLst/>
+          </a:prstGeom>
+          <a:solidFill>
+            <a:srgbClr val="FA6548">
+              <a:alpha val="29804"/>
+            </a:srgbClr>
+          </a:solidFill>
+          <a:ln w="19050">
+            <a:solidFill>
+              <a:srgbClr val="65948A"/>
+            </a:solidFill>
+          </a:ln>
+        </p:spPr>
+        <p:txBody>
+          <a:bodyPr wrap="square" rtlCol="0" anchor="ctr">
+            <a:spAutoFit/>
+          </a:bodyPr>
+          <a:lstStyle/>
+          <a:p>
+            <a:pPr algn="ctr"/>
+            <a:endParaRPr lang="en-US" sz="1800" dirty="0">
+              <a:latin typeface="Consolas" pitchFamily="49" charset="0"/>
+              <a:cs typeface="Consolas" pitchFamily="49" charset="0"/>
+            </a:endParaRPr>
+          </a:p>
+        </p:txBody>
+      </p:sp>
+      <p:sp>
+        <p:nvSpPr>
+          <p:cNvPr id="4" name="Rechteck 3">
+            <a:extLst>
+              <a:ext uri="{FF2B5EF4-FFF2-40B4-BE49-F238E27FC236}">
+                <a16:creationId xmlns:a16="http://schemas.microsoft.com/office/drawing/2014/main" id="{8A947821-D701-F2FD-5888-AF295ED0335A}"/>
+              </a:ext>
+            </a:extLst>
+          </p:cNvPr>
+          <p:cNvSpPr/>
+          <p:nvPr/>
+        </p:nvSpPr>
+        <p:spPr>
+          <a:xfrm>
+            <a:off x="5118324" y="3372631"/>
+            <a:ext cx="914445" cy="1521911"/>
+          </a:xfrm>
+          <a:prstGeom prst="rect">
+            <a:avLst/>
+          </a:prstGeom>
+          <a:solidFill>
+            <a:srgbClr val="448CAD">
+              <a:alpha val="30168"/>
+            </a:srgbClr>
+          </a:solidFill>
+          <a:ln w="19050">
+            <a:solidFill>
+              <a:srgbClr val="65948A"/>
+            </a:solidFill>
+          </a:ln>
+        </p:spPr>
+        <p:txBody>
+          <a:bodyPr wrap="square" rtlCol="0" anchor="ctr">
+            <a:spAutoFit/>
+          </a:bodyPr>
+          <a:lstStyle/>
+          <a:p>
+            <a:pPr algn="ctr"/>
+            <a:endParaRPr lang="en-US" sz="1800" dirty="0">
+              <a:latin typeface="Consolas" pitchFamily="49" charset="0"/>
+              <a:cs typeface="Consolas" pitchFamily="49" charset="0"/>
+            </a:endParaRPr>
+          </a:p>
+        </p:txBody>
+      </p:sp>
+      <p:sp>
+        <p:nvSpPr>
+          <p:cNvPr id="78" name="Textfeld 77">
+            <a:extLst>
+              <a:ext uri="{FF2B5EF4-FFF2-40B4-BE49-F238E27FC236}">
+                <a16:creationId xmlns:a16="http://schemas.microsoft.com/office/drawing/2014/main" id="{77594E6F-E965-97B6-586C-0ED9639210C3}"/>
+              </a:ext>
+            </a:extLst>
+          </p:cNvPr>
+          <p:cNvSpPr txBox="1"/>
+          <p:nvPr/>
+        </p:nvSpPr>
+        <p:spPr bwMode="auto">
+          <a:xfrm>
+            <a:off x="5125470" y="4582299"/>
+            <a:ext cx="1895520" cy="307777"/>
+          </a:xfrm>
+          <a:prstGeom prst="rect">
+            <a:avLst/>
+          </a:prstGeom>
+          <a:noFill/>
+          <a:ln w="6350">
+            <a:noFill/>
+          </a:ln>
+          <a:effectLst/>
+        </p:spPr>
+        <p:txBody>
+          <a:bodyPr wrap="square" rtlCol="0">
+            <a:spAutoFit/>
+          </a:bodyPr>
+          <a:lstStyle/>
+          <a:p>
+            <a:r>
+              <a:rPr lang="en-US" sz="1400" dirty="0">
+                <a:latin typeface="+mn-lt"/>
+              </a:rPr>
+              <a:t>0     10   20   31   46   59</a:t>
+            </a:r>
+          </a:p>
+        </p:txBody>
+      </p:sp>
+      <p:sp>
+        <p:nvSpPr>
+          <p:cNvPr id="96" name="Textfeld 95">
+            <a:extLst>
+              <a:ext uri="{FF2B5EF4-FFF2-40B4-BE49-F238E27FC236}">
+                <a16:creationId xmlns:a16="http://schemas.microsoft.com/office/drawing/2014/main" id="{D58FEB78-D428-CAF7-6257-E606441B6B07}"/>
+              </a:ext>
+            </a:extLst>
+          </p:cNvPr>
+          <p:cNvSpPr txBox="1"/>
+          <p:nvPr/>
+        </p:nvSpPr>
+        <p:spPr bwMode="auto">
+          <a:xfrm>
+            <a:off x="5120684" y="3371143"/>
+            <a:ext cx="1826715" cy="307777"/>
+          </a:xfrm>
+          <a:prstGeom prst="rect">
+            <a:avLst/>
+          </a:prstGeom>
+          <a:noFill/>
+          <a:ln w="6350">
+            <a:noFill/>
+          </a:ln>
+          <a:effectLst/>
+        </p:spPr>
+        <p:txBody>
+          <a:bodyPr wrap="square" rtlCol="0">
+            <a:spAutoFit/>
+          </a:bodyPr>
+          <a:lstStyle/>
+          <a:p>
+            <a:r>
+              <a:rPr lang="en-US" sz="1400" dirty="0">
+                <a:latin typeface="+mn-lt"/>
+              </a:rPr>
+              <a:t>0      0     0     0      0     0</a:t>
+            </a:r>
+          </a:p>
+        </p:txBody>
+      </p:sp>
       <p:sp>
         <p:nvSpPr>
           <p:cNvPr id="2" name="Title 1"/>
@@ -9350,47 +9337,6 @@
       </p:sp>
       <p:sp>
         <p:nvSpPr>
-          <p:cNvPr id="48" name="Textfeld 47">
-            <a:extLst>
-              <a:ext uri="{FF2B5EF4-FFF2-40B4-BE49-F238E27FC236}">
-                <a16:creationId xmlns:a16="http://schemas.microsoft.com/office/drawing/2014/main" id="{59F4BD96-18A6-CDEB-5398-C2378A78EC71}"/>
-              </a:ext>
-            </a:extLst>
-          </p:cNvPr>
-          <p:cNvSpPr txBox="1"/>
-          <p:nvPr/>
-        </p:nvSpPr>
-        <p:spPr bwMode="auto">
-          <a:xfrm>
-            <a:off x="2674392" y="4572708"/>
-            <a:ext cx="1826715" cy="307777"/>
-          </a:xfrm>
-          <a:prstGeom prst="rect">
-            <a:avLst/>
-          </a:prstGeom>
-          <a:noFill/>
-          <a:ln w="6350">
-            <a:noFill/>
-          </a:ln>
-          <a:effectLst/>
-        </p:spPr>
-        <p:txBody>
-          <a:bodyPr wrap="square" rtlCol="0">
-            <a:spAutoFit/>
-          </a:bodyPr>
-          <a:lstStyle/>
-          <a:p>
-            <a:r>
-              <a:rPr lang="en-US" sz="1400" dirty="0">
-                <a:latin typeface="+mn-lt"/>
-              </a:rPr>
-              <a:t>4      1     5     4      6</a:t>
-            </a:r>
-          </a:p>
-        </p:txBody>
-      </p:sp>
-      <p:sp>
-        <p:nvSpPr>
           <p:cNvPr id="49" name="Textfeld 48">
             <a:extLst>
               <a:ext uri="{FF2B5EF4-FFF2-40B4-BE49-F238E27FC236}">
@@ -10580,47 +10526,6 @@
       </p:sp>
       <p:sp>
         <p:nvSpPr>
-          <p:cNvPr id="78" name="Textfeld 77">
-            <a:extLst>
-              <a:ext uri="{FF2B5EF4-FFF2-40B4-BE49-F238E27FC236}">
-                <a16:creationId xmlns:a16="http://schemas.microsoft.com/office/drawing/2014/main" id="{77594E6F-E965-97B6-586C-0ED9639210C3}"/>
-              </a:ext>
-            </a:extLst>
-          </p:cNvPr>
-          <p:cNvSpPr txBox="1"/>
-          <p:nvPr/>
-        </p:nvSpPr>
-        <p:spPr bwMode="auto">
-          <a:xfrm>
-            <a:off x="5125470" y="4582299"/>
-            <a:ext cx="1895520" cy="307777"/>
-          </a:xfrm>
-          <a:prstGeom prst="rect">
-            <a:avLst/>
-          </a:prstGeom>
-          <a:noFill/>
-          <a:ln w="6350">
-            <a:noFill/>
-          </a:ln>
-          <a:effectLst/>
-        </p:spPr>
-        <p:txBody>
-          <a:bodyPr wrap="square" rtlCol="0">
-            <a:spAutoFit/>
-          </a:bodyPr>
-          <a:lstStyle/>
-          <a:p>
-            <a:r>
-              <a:rPr lang="en-US" sz="1400" dirty="0">
-                <a:latin typeface="+mn-lt"/>
-              </a:rPr>
-              <a:t>0     10   20   31   46   59</a:t>
-            </a:r>
-          </a:p>
-        </p:txBody>
-      </p:sp>
-      <p:sp>
-        <p:nvSpPr>
           <p:cNvPr id="79" name="Textfeld 78">
             <a:extLst>
               <a:ext uri="{FF2B5EF4-FFF2-40B4-BE49-F238E27FC236}">
@@ -11067,47 +10972,6 @@
               <a:latin typeface="Consolas" pitchFamily="49" charset="0"/>
               <a:cs typeface="Consolas" pitchFamily="49" charset="0"/>
             </a:endParaRPr>
-          </a:p>
-        </p:txBody>
-      </p:sp>
-      <p:sp>
-        <p:nvSpPr>
-          <p:cNvPr id="96" name="Textfeld 95">
-            <a:extLst>
-              <a:ext uri="{FF2B5EF4-FFF2-40B4-BE49-F238E27FC236}">
-                <a16:creationId xmlns:a16="http://schemas.microsoft.com/office/drawing/2014/main" id="{D58FEB78-D428-CAF7-6257-E606441B6B07}"/>
-              </a:ext>
-            </a:extLst>
-          </p:cNvPr>
-          <p:cNvSpPr txBox="1"/>
-          <p:nvPr/>
-        </p:nvSpPr>
-        <p:spPr bwMode="auto">
-          <a:xfrm>
-            <a:off x="5120684" y="3371143"/>
-            <a:ext cx="1826715" cy="307777"/>
-          </a:xfrm>
-          <a:prstGeom prst="rect">
-            <a:avLst/>
-          </a:prstGeom>
-          <a:noFill/>
-          <a:ln w="6350">
-            <a:noFill/>
-          </a:ln>
-          <a:effectLst/>
-        </p:spPr>
-        <p:txBody>
-          <a:bodyPr wrap="square" rtlCol="0">
-            <a:spAutoFit/>
-          </a:bodyPr>
-          <a:lstStyle/>
-          <a:p>
-            <a:r>
-              <a:rPr lang="en-US" sz="1400" dirty="0">
-                <a:latin typeface="+mn-lt"/>
-              </a:rPr>
-              <a:t>0      0     0     0      0     0</a:t>
-            </a:r>
           </a:p>
         </p:txBody>
       </p:sp>
